--- a/PowerPoint/CISCO FSO CLOUD LAB .pptx
+++ b/PowerPoint/CISCO FSO CLOUD LAB .pptx
@@ -5,32 +5,33 @@
     <p:sldMasterId id="2147484055" r:id="rId1"/>
   </p:sldMasterIdLst>
   <p:notesMasterIdLst>
-    <p:notesMasterId r:id="rId17"/>
+    <p:notesMasterId r:id="rId18"/>
   </p:notesMasterIdLst>
   <p:handoutMasterIdLst>
-    <p:handoutMasterId r:id="rId18"/>
+    <p:handoutMasterId r:id="rId19"/>
   </p:handoutMasterIdLst>
   <p:sldIdLst>
     <p:sldId id="305" r:id="rId2"/>
     <p:sldId id="5307" r:id="rId3"/>
     <p:sldId id="5323" r:id="rId4"/>
-    <p:sldId id="5308" r:id="rId5"/>
-    <p:sldId id="5327" r:id="rId6"/>
-    <p:sldId id="5326" r:id="rId7"/>
-    <p:sldId id="5324" r:id="rId8"/>
-    <p:sldId id="5331" r:id="rId9"/>
-    <p:sldId id="5329" r:id="rId10"/>
-    <p:sldId id="5328" r:id="rId11"/>
-    <p:sldId id="5330" r:id="rId12"/>
-    <p:sldId id="5325" r:id="rId13"/>
-    <p:sldId id="5313" r:id="rId14"/>
-    <p:sldId id="5316" r:id="rId15"/>
-    <p:sldId id="5318" r:id="rId16"/>
+    <p:sldId id="5333" r:id="rId5"/>
+    <p:sldId id="5308" r:id="rId6"/>
+    <p:sldId id="5327" r:id="rId7"/>
+    <p:sldId id="5326" r:id="rId8"/>
+    <p:sldId id="5324" r:id="rId9"/>
+    <p:sldId id="5331" r:id="rId10"/>
+    <p:sldId id="5329" r:id="rId11"/>
+    <p:sldId id="5328" r:id="rId12"/>
+    <p:sldId id="5330" r:id="rId13"/>
+    <p:sldId id="5325" r:id="rId14"/>
+    <p:sldId id="5313" r:id="rId15"/>
+    <p:sldId id="5316" r:id="rId16"/>
+    <p:sldId id="5318" r:id="rId17"/>
   </p:sldIdLst>
   <p:sldSz cx="9144000" cy="5143500" type="screen16x9"/>
   <p:notesSz cx="6858000" cy="9144000"/>
   <p:custDataLst>
-    <p:tags r:id="rId19"/>
+    <p:tags r:id="rId20"/>
   </p:custDataLst>
   <p:defaultTextStyle>
     <a:defPPr>
@@ -165,6 +166,7 @@
             <p14:sldId id="305"/>
             <p14:sldId id="5307"/>
             <p14:sldId id="5323"/>
+            <p14:sldId id="5333"/>
             <p14:sldId id="5308"/>
             <p14:sldId id="5327"/>
             <p14:sldId id="5326"/>
@@ -338,7 +340,7 @@
               <a:pPr>
                 <a:defRPr/>
               </a:pPr>
-              <a:t>2/7/22</a:t>
+              <a:t>2/17/22</a:t>
             </a:fld>
             <a:endParaRPr lang="en-US"/>
           </a:p>
@@ -561,7 +563,7 @@
               <a:pPr>
                 <a:defRPr/>
               </a:pPr>
-              <a:t>2/7/22</a:t>
+              <a:t>2/17/22</a:t>
             </a:fld>
             <a:endParaRPr lang="en-US"/>
           </a:p>
@@ -1583,7 +1585,7 @@
               </a14:hiddenLine>
             </a:ext>
             <a:ext uri="{FAA26D3D-D897-4be2-8F04-BA451C77F1D7}">
-              <ma14:placeholderFlag xmlns:ma14="http://schemas.microsoft.com/office/mac/drawingml/2011/main" xmlns="" val="1"/>
+              <ma14:placeholderFlag xmlns="" xmlns:ma14="http://schemas.microsoft.com/office/mac/drawingml/2011/main" val="1"/>
             </a:ext>
           </a:extLst>
         </p:spPr>
@@ -1963,14 +1965,14 @@
           </a:ln>
           <a:extLst>
             <a:ext uri="{909E8E84-426E-40dd-AFC4-6F175D3DCCD1}">
-              <a14:hiddenFill xmlns="" xmlns:a14="http://schemas.microsoft.com/office/drawing/2010/main">
+              <a14:hiddenFill xmlns:a14="http://schemas.microsoft.com/office/drawing/2010/main" xmlns="">
                 <a:solidFill>
                   <a:srgbClr val="FFFFFF"/>
                 </a:solidFill>
               </a14:hiddenFill>
             </a:ext>
             <a:ext uri="{91240B29-F687-4f45-9708-019B960494DF}">
-              <a14:hiddenLine xmlns="" xmlns:a14="http://schemas.microsoft.com/office/drawing/2010/main" w="9525">
+              <a14:hiddenLine xmlns:a14="http://schemas.microsoft.com/office/drawing/2010/main" xmlns="" w="9525">
                 <a:solidFill>
                   <a:srgbClr val="000000"/>
                 </a:solidFill>
@@ -2073,7 +2075,7 @@
               </a14:hiddenLine>
             </a:ext>
             <a:ext uri="{FAA26D3D-D897-4be2-8F04-BA451C77F1D7}">
-              <ma14:placeholderFlag xmlns:ma14="http://schemas.microsoft.com/office/mac/drawingml/2011/main" xmlns="" val="1"/>
+              <ma14:placeholderFlag xmlns="" xmlns:ma14="http://schemas.microsoft.com/office/mac/drawingml/2011/main" val="1"/>
             </a:ext>
           </a:extLst>
         </p:spPr>
@@ -2299,14 +2301,14 @@
           </a:ln>
           <a:extLst>
             <a:ext uri="{909E8E84-426E-40dd-AFC4-6F175D3DCCD1}">
-              <a14:hiddenFill xmlns="" xmlns:a14="http://schemas.microsoft.com/office/drawing/2010/main">
+              <a14:hiddenFill xmlns:a14="http://schemas.microsoft.com/office/drawing/2010/main" xmlns="">
                 <a:solidFill>
                   <a:srgbClr val="FFFFFF"/>
                 </a:solidFill>
               </a14:hiddenFill>
             </a:ext>
             <a:ext uri="{91240B29-F687-4f45-9708-019B960494DF}">
-              <a14:hiddenLine xmlns="" xmlns:a14="http://schemas.microsoft.com/office/drawing/2010/main" w="9525">
+              <a14:hiddenLine xmlns:a14="http://schemas.microsoft.com/office/drawing/2010/main" xmlns="" w="9525">
                 <a:solidFill>
                   <a:srgbClr val="000000"/>
                 </a:solidFill>
@@ -2506,14 +2508,14 @@
           </a:ln>
           <a:extLst>
             <a:ext uri="{909E8E84-426E-40dd-AFC4-6F175D3DCCD1}">
-              <a14:hiddenFill xmlns="" xmlns:a14="http://schemas.microsoft.com/office/drawing/2010/main">
+              <a14:hiddenFill xmlns:a14="http://schemas.microsoft.com/office/drawing/2010/main" xmlns="">
                 <a:solidFill>
                   <a:srgbClr val="FFFFFF"/>
                 </a:solidFill>
               </a14:hiddenFill>
             </a:ext>
             <a:ext uri="{91240B29-F687-4f45-9708-019B960494DF}">
-              <a14:hiddenLine xmlns="" xmlns:a14="http://schemas.microsoft.com/office/drawing/2010/main" w="9525">
+              <a14:hiddenLine xmlns:a14="http://schemas.microsoft.com/office/drawing/2010/main" xmlns="" w="9525">
                 <a:solidFill>
                   <a:srgbClr val="000000"/>
                 </a:solidFill>
@@ -2656,14 +2658,14 @@
           </a:ln>
           <a:extLst>
             <a:ext uri="{909E8E84-426E-40dd-AFC4-6F175D3DCCD1}">
-              <a14:hiddenFill xmlns:a14="http://schemas.microsoft.com/office/drawing/2010/main" xmlns="">
+              <a14:hiddenFill xmlns="" xmlns:a14="http://schemas.microsoft.com/office/drawing/2010/main">
                 <a:solidFill>
                   <a:srgbClr val="FFFFFF"/>
                 </a:solidFill>
               </a14:hiddenFill>
             </a:ext>
             <a:ext uri="{91240B29-F687-4f45-9708-019B960494DF}">
-              <a14:hiddenLine xmlns:a14="http://schemas.microsoft.com/office/drawing/2010/main" xmlns="" w="9525">
+              <a14:hiddenLine xmlns="" xmlns:a14="http://schemas.microsoft.com/office/drawing/2010/main" w="9525">
                 <a:solidFill>
                   <a:srgbClr val="000000"/>
                 </a:solidFill>
@@ -2984,7 +2986,7 @@
               </a14:hiddenLine>
             </a:ext>
             <a:ext uri="{FAA26D3D-D897-4be2-8F04-BA451C77F1D7}">
-              <ma14:placeholderFlag xmlns:ma14="http://schemas.microsoft.com/office/mac/drawingml/2011/main" xmlns="" val="1"/>
+              <ma14:placeholderFlag xmlns="" xmlns:ma14="http://schemas.microsoft.com/office/mac/drawingml/2011/main" val="1"/>
             </a:ext>
           </a:extLst>
         </p:spPr>
@@ -3185,7 +3187,7 @@
           </a:ln>
           <a:extLst>
             <a:ext uri="{FAA26D3D-D897-4be2-8F04-BA451C77F1D7}">
-              <ma14:placeholderFlag xmlns:ma14="http://schemas.microsoft.com/office/mac/drawingml/2011/main" xmlns="" val="1"/>
+              <ma14:placeholderFlag xmlns="" xmlns:ma14="http://schemas.microsoft.com/office/mac/drawingml/2011/main" val="1"/>
             </a:ext>
           </a:extLst>
         </p:spPr>
@@ -3552,7 +3554,7 @@
               </a14:hiddenLine>
             </a:ext>
             <a:ext uri="{FAA26D3D-D897-4be2-8F04-BA451C77F1D7}">
-              <ma14:placeholderFlag xmlns:ma14="http://schemas.microsoft.com/office/mac/drawingml/2011/main" xmlns="" val="1"/>
+              <ma14:placeholderFlag xmlns="" xmlns:ma14="http://schemas.microsoft.com/office/mac/drawingml/2011/main" val="1"/>
             </a:ext>
           </a:extLst>
         </p:spPr>
@@ -4117,7 +4119,7 @@
           </a:ln>
           <a:extLst>
             <a:ext uri="{FAA26D3D-D897-4be2-8F04-BA451C77F1D7}">
-              <ma14:placeholderFlag xmlns:ma14="http://schemas.microsoft.com/office/mac/drawingml/2011/main" xmlns="" val="1"/>
+              <ma14:placeholderFlag xmlns="" xmlns:ma14="http://schemas.microsoft.com/office/mac/drawingml/2011/main" val="1"/>
             </a:ext>
           </a:extLst>
         </p:spPr>
@@ -4415,7 +4417,7 @@
           </a:ln>
           <a:extLst>
             <a:ext uri="{FAA26D3D-D897-4be2-8F04-BA451C77F1D7}">
-              <ma14:placeholderFlag xmlns:ma14="http://schemas.microsoft.com/office/mac/drawingml/2011/main" xmlns="" val="1"/>
+              <ma14:placeholderFlag xmlns="" xmlns:ma14="http://schemas.microsoft.com/office/mac/drawingml/2011/main" val="1"/>
             </a:ext>
           </a:extLst>
         </p:spPr>
@@ -4677,7 +4679,7 @@
           </a:ln>
           <a:extLst>
             <a:ext uri="{FAA26D3D-D897-4be2-8F04-BA451C77F1D7}">
-              <ma14:placeholderFlag xmlns:ma14="http://schemas.microsoft.com/office/mac/drawingml/2011/main" xmlns="" val="1"/>
+              <ma14:placeholderFlag xmlns="" xmlns:ma14="http://schemas.microsoft.com/office/mac/drawingml/2011/main" val="1"/>
             </a:ext>
           </a:extLst>
         </p:spPr>
@@ -4915,7 +4917,7 @@
               </a14:hiddenLine>
             </a:ext>
             <a:ext uri="{FAA26D3D-D897-4be2-8F04-BA451C77F1D7}">
-              <ma14:placeholderFlag xmlns:ma14="http://schemas.microsoft.com/office/mac/drawingml/2011/main" xmlns="" val="1"/>
+              <ma14:placeholderFlag xmlns="" xmlns:ma14="http://schemas.microsoft.com/office/mac/drawingml/2011/main" val="1"/>
             </a:ext>
           </a:extLst>
         </p:spPr>
@@ -5185,7 +5187,7 @@
               </a14:hiddenLine>
             </a:ext>
             <a:ext uri="{FAA26D3D-D897-4be2-8F04-BA451C77F1D7}">
-              <ma14:placeholderFlag xmlns:ma14="http://schemas.microsoft.com/office/mac/drawingml/2011/main" xmlns="" val="1"/>
+              <ma14:placeholderFlag xmlns="" xmlns:ma14="http://schemas.microsoft.com/office/mac/drawingml/2011/main" val="1"/>
             </a:ext>
           </a:extLst>
         </p:spPr>
@@ -5449,7 +5451,7 @@
               </a14:hiddenLine>
             </a:ext>
             <a:ext uri="{FAA26D3D-D897-4be2-8F04-BA451C77F1D7}">
-              <ma14:placeholderFlag xmlns:ma14="http://schemas.microsoft.com/office/mac/drawingml/2011/main" xmlns="" val="1"/>
+              <ma14:placeholderFlag xmlns="" xmlns:ma14="http://schemas.microsoft.com/office/mac/drawingml/2011/main" val="1"/>
             </a:ext>
           </a:extLst>
         </p:spPr>
@@ -6842,7 +6844,7 @@
               </a14:hiddenLine>
             </a:ext>
             <a:ext uri="{FAA26D3D-D897-4be2-8F04-BA451C77F1D7}">
-              <ma14:placeholderFlag xmlns:ma14="http://schemas.microsoft.com/office/mac/drawingml/2011/main" xmlns="" val="1"/>
+              <ma14:placeholderFlag xmlns="" xmlns:ma14="http://schemas.microsoft.com/office/mac/drawingml/2011/main" val="1"/>
             </a:ext>
           </a:extLst>
         </p:spPr>
@@ -7918,6 +7920,200 @@
       </p:grpSpPr>
       <p:sp>
         <p:nvSpPr>
+          <p:cNvPr id="2" name="Title 1">
+            <a:extLst>
+              <a:ext uri="{FF2B5EF4-FFF2-40B4-BE49-F238E27FC236}">
+                <a16:creationId xmlns:a16="http://schemas.microsoft.com/office/drawing/2014/main" id="{51E57940-3F1A-864D-9F46-D49FE377BAC4}"/>
+              </a:ext>
+            </a:extLst>
+          </p:cNvPr>
+          <p:cNvSpPr>
+            <a:spLocks noGrp="1"/>
+          </p:cNvSpPr>
+          <p:nvPr>
+            <p:ph type="ctrTitle"/>
+          </p:nvPr>
+        </p:nvSpPr>
+        <p:spPr>
+          <a:xfrm>
+            <a:off x="416424" y="310102"/>
+            <a:ext cx="8544695" cy="4333460"/>
+          </a:xfrm>
+        </p:spPr>
+        <p:txBody>
+          <a:bodyPr/>
+          <a:lstStyle/>
+          <a:p>
+            <a:r>
+              <a:rPr lang="en-US" sz="1600" dirty="0"/>
+              <a:t>Lab Instruction: Phase 1 Part 1 (20-30 min)</a:t>
+            </a:r>
+            <a:br>
+              <a:rPr lang="en-US" sz="1600" dirty="0"/>
+            </a:br>
+            <a:r>
+              <a:rPr lang="en-US" sz="1600" dirty="0"/>
+              <a:t>Clone Repo</a:t>
+            </a:r>
+            <a:br>
+              <a:rPr lang="en-US" sz="1600" dirty="0"/>
+            </a:br>
+            <a:r>
+              <a:rPr lang="en-US" sz="1600" dirty="0"/>
+              <a:t>Checkout Branch &amp; Fetch Updates</a:t>
+            </a:r>
+            <a:br>
+              <a:rPr lang="en-US" sz="1600" dirty="0"/>
+            </a:br>
+            <a:r>
+              <a:rPr lang="en-US" sz="1600" dirty="0"/>
+              <a:t>Verify your </a:t>
+            </a:r>
+            <a:r>
+              <a:rPr lang="en-US" sz="1600" dirty="0" err="1"/>
+              <a:t>lab_vars.py</a:t>
+            </a:r>
+            <a:r>
+              <a:rPr lang="en-US" sz="1600" dirty="0"/>
+              <a:t> file, update your lab-</a:t>
+            </a:r>
+            <a:r>
+              <a:rPr lang="en-US" sz="1600" dirty="0" err="1"/>
+              <a:t>note.txt</a:t>
+            </a:r>
+            <a:br>
+              <a:rPr lang="en-US" sz="1600" dirty="0"/>
+            </a:br>
+            <a:r>
+              <a:rPr lang="en-US" sz="1600" dirty="0"/>
+              <a:t>Git Add, Git Commit, Git Push</a:t>
+            </a:r>
+            <a:br>
+              <a:rPr lang="en-US" sz="1600" dirty="0"/>
+            </a:br>
+            <a:r>
+              <a:rPr lang="en-US" sz="1600" dirty="0"/>
+              <a:t>Logon to Pipeline</a:t>
+            </a:r>
+            <a:br>
+              <a:rPr lang="en-US" sz="1600" dirty="0"/>
+            </a:br>
+            <a:r>
+              <a:rPr lang="en-US" sz="1600" dirty="0"/>
+              <a:t>Deploy Pipeline – Capture your SSH Key</a:t>
+            </a:r>
+            <a:br>
+              <a:rPr lang="en-US" sz="1600" dirty="0"/>
+            </a:br>
+            <a:r>
+              <a:rPr lang="en-US" sz="1600" dirty="0"/>
+              <a:t>SSH To Test Linux, CSR</a:t>
+            </a:r>
+            <a:br>
+              <a:rPr lang="en-US" sz="1600" dirty="0"/>
+            </a:br>
+            <a:r>
+              <a:rPr lang="en-US" sz="1600" dirty="0"/>
+              <a:t>Wait for Instructor Before Configuring CSR</a:t>
+            </a:r>
+            <a:br>
+              <a:rPr lang="en-US" sz="1600" dirty="0"/>
+            </a:br>
+            <a:br>
+              <a:rPr lang="en-US" sz="1600" dirty="0"/>
+            </a:br>
+            <a:r>
+              <a:rPr lang="en-US" sz="1600" dirty="0"/>
+              <a:t>Lab Instruction Phase 1 Part 2 (10-20 min)</a:t>
+            </a:r>
+            <a:br>
+              <a:rPr lang="en-US" sz="1600" dirty="0"/>
+            </a:br>
+            <a:r>
+              <a:rPr lang="en-US" sz="1600" dirty="0"/>
+              <a:t>CSR – check 2</a:t>
+            </a:r>
+            <a:r>
+              <a:rPr lang="en-US" sz="1600" baseline="30000" dirty="0"/>
+              <a:t>nd</a:t>
+            </a:r>
+            <a:r>
+              <a:rPr lang="en-US" sz="1600" dirty="0"/>
+              <a:t> NIC </a:t>
+            </a:r>
+            <a:br>
+              <a:rPr lang="en-US" sz="1600" dirty="0"/>
+            </a:br>
+            <a:r>
+              <a:rPr lang="en-US" sz="1600" dirty="0"/>
+              <a:t>Run the Configure CSR Task to Configure your CSR</a:t>
+            </a:r>
+            <a:br>
+              <a:rPr lang="en-US" sz="1600" dirty="0"/>
+            </a:br>
+            <a:r>
+              <a:rPr lang="en-US" sz="1600" dirty="0"/>
+              <a:t>Verify that traffic from Linux User01 is being routed outside CSR</a:t>
+            </a:r>
+            <a:br>
+              <a:rPr lang="en-US" sz="1600" dirty="0"/>
+            </a:br>
+            <a:r>
+              <a:rPr lang="en-US" sz="1600" dirty="0"/>
+              <a:t>Deploy Thousand Eyes Agent on Linux VMs</a:t>
+            </a:r>
+            <a:br>
+              <a:rPr lang="en-US" sz="1600" dirty="0"/>
+            </a:br>
+            <a:r>
+              <a:rPr lang="en-US" sz="1600" dirty="0"/>
+              <a:t>Logon to Thousand Eyes Console</a:t>
+            </a:r>
+            <a:br>
+              <a:rPr lang="en-US" sz="1600" dirty="0"/>
+            </a:br>
+            <a:br>
+              <a:rPr lang="en-US" sz="1600" dirty="0"/>
+            </a:br>
+            <a:r>
+              <a:rPr lang="en-US" sz="1600" dirty="0"/>
+              <a:t>Students Commit Code to Branch for Overnight Marking. Code Passing Tests will be added to Student Pipeline. At End of Training Lab on Final Day, Students will be challenged to rebuild their lab 100% from their Code Branch.</a:t>
+            </a:r>
+          </a:p>
+        </p:txBody>
+      </p:sp>
+    </p:spTree>
+    <p:extLst>
+      <p:ext uri="{BB962C8B-B14F-4D97-AF65-F5344CB8AC3E}">
+        <p14:creationId xmlns:p14="http://schemas.microsoft.com/office/powerpoint/2010/main" val="1867570614"/>
+      </p:ext>
+    </p:extLst>
+  </p:cSld>
+  <p:clrMapOvr>
+    <a:masterClrMapping/>
+  </p:clrMapOvr>
+</p:sld>
+</file>
+
+<file path=ppt/slides/slide11.xml><?xml version="1.0" encoding="utf-8"?>
+<p:sld xmlns:a="http://schemas.openxmlformats.org/drawingml/2006/main" xmlns:r="http://schemas.openxmlformats.org/officeDocument/2006/relationships" xmlns:p="http://schemas.openxmlformats.org/presentationml/2006/main">
+  <p:cSld>
+    <p:spTree>
+      <p:nvGrpSpPr>
+        <p:cNvPr id="1" name=""/>
+        <p:cNvGrpSpPr/>
+        <p:nvPr/>
+      </p:nvGrpSpPr>
+      <p:grpSpPr>
+        <a:xfrm>
+          <a:off x="0" y="0"/>
+          <a:ext cx="0" cy="0"/>
+          <a:chOff x="0" y="0"/>
+          <a:chExt cx="0" cy="0"/>
+        </a:xfrm>
+      </p:grpSpPr>
+      <p:sp>
+        <p:nvSpPr>
           <p:cNvPr id="3" name="TextBox 2">
             <a:extLst>
               <a:ext uri="{FF2B5EF4-FFF2-40B4-BE49-F238E27FC236}">
@@ -8028,7 +8224,7 @@
 </p:sld>
 </file>
 
-<file path=ppt/slides/slide11.xml><?xml version="1.0" encoding="utf-8"?>
+<file path=ppt/slides/slide12.xml><?xml version="1.0" encoding="utf-8"?>
 <p:sld xmlns:a="http://schemas.openxmlformats.org/drawingml/2006/main" xmlns:r="http://schemas.openxmlformats.org/officeDocument/2006/relationships" xmlns:p="http://schemas.openxmlformats.org/presentationml/2006/main">
   <p:cSld>
     <p:spTree>
@@ -8206,7 +8402,7 @@
 </p:sld>
 </file>
 
-<file path=ppt/slides/slide12.xml><?xml version="1.0" encoding="utf-8"?>
+<file path=ppt/slides/slide13.xml><?xml version="1.0" encoding="utf-8"?>
 <p:sld xmlns:a="http://schemas.openxmlformats.org/drawingml/2006/main" xmlns:r="http://schemas.openxmlformats.org/officeDocument/2006/relationships" xmlns:p="http://schemas.openxmlformats.org/presentationml/2006/main">
   <p:cSld>
     <p:spTree>
@@ -8482,7 +8678,7 @@
 </p:sld>
 </file>
 
-<file path=ppt/slides/slide13.xml><?xml version="1.0" encoding="utf-8"?>
+<file path=ppt/slides/slide14.xml><?xml version="1.0" encoding="utf-8"?>
 <p:sld xmlns:a="http://schemas.openxmlformats.org/drawingml/2006/main" xmlns:r="http://schemas.openxmlformats.org/officeDocument/2006/relationships" xmlns:p="http://schemas.openxmlformats.org/presentationml/2006/main">
   <p:cSld>
     <p:spTree>
@@ -8767,7 +8963,7 @@
 </p:sld>
 </file>
 
-<file path=ppt/slides/slide14.xml><?xml version="1.0" encoding="utf-8"?>
+<file path=ppt/slides/slide15.xml><?xml version="1.0" encoding="utf-8"?>
 <p:sld xmlns:a="http://schemas.openxmlformats.org/drawingml/2006/main" xmlns:r="http://schemas.openxmlformats.org/officeDocument/2006/relationships" xmlns:p="http://schemas.openxmlformats.org/presentationml/2006/main">
   <p:cSld>
     <p:spTree>
@@ -10065,7 +10261,7 @@
 </p:sld>
 </file>
 
-<file path=ppt/slides/slide15.xml><?xml version="1.0" encoding="utf-8"?>
+<file path=ppt/slides/slide16.xml><?xml version="1.0" encoding="utf-8"?>
 <p:sld xmlns:a="http://schemas.openxmlformats.org/drawingml/2006/main" xmlns:r="http://schemas.openxmlformats.org/officeDocument/2006/relationships" xmlns:p="http://schemas.openxmlformats.org/presentationml/2006/main">
   <p:cSld>
     <p:spTree>
@@ -11890,6 +12086,91 @@
 </file>
 
 <file path=ppt/slides/slide4.xml><?xml version="1.0" encoding="utf-8"?>
+<p:sld xmlns:a="http://schemas.openxmlformats.org/drawingml/2006/main" xmlns:r="http://schemas.openxmlformats.org/officeDocument/2006/relationships" xmlns:p="http://schemas.openxmlformats.org/presentationml/2006/main">
+  <p:cSld>
+    <p:spTree>
+      <p:nvGrpSpPr>
+        <p:cNvPr id="1" name=""/>
+        <p:cNvGrpSpPr/>
+        <p:nvPr/>
+      </p:nvGrpSpPr>
+      <p:grpSpPr>
+        <a:xfrm>
+          <a:off x="0" y="0"/>
+          <a:ext cx="0" cy="0"/>
+          <a:chOff x="0" y="0"/>
+          <a:chExt cx="0" cy="0"/>
+        </a:xfrm>
+      </p:grpSpPr>
+      <p:sp>
+        <p:nvSpPr>
+          <p:cNvPr id="2" name="Title 1">
+            <a:extLst>
+              <a:ext uri="{FF2B5EF4-FFF2-40B4-BE49-F238E27FC236}">
+                <a16:creationId xmlns:a16="http://schemas.microsoft.com/office/drawing/2014/main" id="{4707C214-B053-1447-8367-90A663D41422}"/>
+              </a:ext>
+            </a:extLst>
+          </p:cNvPr>
+          <p:cNvSpPr>
+            <a:spLocks noGrp="1"/>
+          </p:cNvSpPr>
+          <p:nvPr>
+            <p:ph type="title"/>
+          </p:nvPr>
+        </p:nvSpPr>
+        <p:spPr/>
+        <p:txBody>
+          <a:bodyPr/>
+          <a:lstStyle/>
+          <a:p>
+            <a:endParaRPr lang="en-US"/>
+          </a:p>
+        </p:txBody>
+      </p:sp>
+      <p:pic>
+        <p:nvPicPr>
+          <p:cNvPr id="3" name="Picture 2">
+            <a:extLst>
+              <a:ext uri="{FF2B5EF4-FFF2-40B4-BE49-F238E27FC236}">
+                <a16:creationId xmlns:a16="http://schemas.microsoft.com/office/drawing/2014/main" id="{B414A558-B5FA-4C46-BA93-D6A0FA286EAA}"/>
+              </a:ext>
+            </a:extLst>
+          </p:cNvPr>
+          <p:cNvPicPr>
+            <a:picLocks noChangeAspect="1"/>
+          </p:cNvPicPr>
+          <p:nvPr/>
+        </p:nvPicPr>
+        <p:blipFill>
+          <a:blip r:embed="rId2"/>
+          <a:stretch>
+            <a:fillRect/>
+          </a:stretch>
+        </p:blipFill>
+        <p:spPr>
+          <a:xfrm>
+            <a:off x="571987" y="0"/>
+            <a:ext cx="8000026" cy="5143500"/>
+          </a:xfrm>
+          <a:prstGeom prst="rect">
+            <a:avLst/>
+          </a:prstGeom>
+        </p:spPr>
+      </p:pic>
+    </p:spTree>
+    <p:extLst>
+      <p:ext uri="{BB962C8B-B14F-4D97-AF65-F5344CB8AC3E}">
+        <p14:creationId xmlns:p14="http://schemas.microsoft.com/office/powerpoint/2010/main" val="3854000522"/>
+      </p:ext>
+    </p:extLst>
+  </p:cSld>
+  <p:clrMapOvr>
+    <a:masterClrMapping/>
+  </p:clrMapOvr>
+</p:sld>
+</file>
+
+<file path=ppt/slides/slide5.xml><?xml version="1.0" encoding="utf-8"?>
 <p:sld xmlns:a="http://schemas.openxmlformats.org/drawingml/2006/main" xmlns:r="http://schemas.openxmlformats.org/officeDocument/2006/relationships" xmlns:p="http://schemas.openxmlformats.org/presentationml/2006/main">
   <p:cSld>
     <p:spTree>
@@ -17605,7 +17886,7 @@
 </p:sld>
 </file>
 
-<file path=ppt/slides/slide5.xml><?xml version="1.0" encoding="utf-8"?>
+<file path=ppt/slides/slide6.xml><?xml version="1.0" encoding="utf-8"?>
 <p:sld xmlns:a="http://schemas.openxmlformats.org/drawingml/2006/main" xmlns:r="http://schemas.openxmlformats.org/officeDocument/2006/relationships" xmlns:p="http://schemas.openxmlformats.org/presentationml/2006/main">
   <p:cSld>
     <p:spTree>
@@ -17743,7 +18024,7 @@
 </p:sld>
 </file>
 
-<file path=ppt/slides/slide6.xml><?xml version="1.0" encoding="utf-8"?>
+<file path=ppt/slides/slide7.xml><?xml version="1.0" encoding="utf-8"?>
 <p:sld xmlns:a="http://schemas.openxmlformats.org/drawingml/2006/main" xmlns:r="http://schemas.openxmlformats.org/officeDocument/2006/relationships" xmlns:p="http://schemas.openxmlformats.org/presentationml/2006/main">
   <p:cSld>
     <p:spTree>
@@ -17916,7 +18197,7 @@
 </p:sld>
 </file>
 
-<file path=ppt/slides/slide7.xml><?xml version="1.0" encoding="utf-8"?>
+<file path=ppt/slides/slide8.xml><?xml version="1.0" encoding="utf-8"?>
 <p:sld xmlns:a="http://schemas.openxmlformats.org/drawingml/2006/main" xmlns:r="http://schemas.openxmlformats.org/officeDocument/2006/relationships" xmlns:p="http://schemas.openxmlformats.org/presentationml/2006/main">
   <p:cSld>
     <p:spTree>
@@ -18201,7 +18482,7 @@
 </p:sld>
 </file>
 
-<file path=ppt/slides/slide8.xml><?xml version="1.0" encoding="utf-8"?>
+<file path=ppt/slides/slide9.xml><?xml version="1.0" encoding="utf-8"?>
 <p:sld xmlns:a="http://schemas.openxmlformats.org/drawingml/2006/main" xmlns:r="http://schemas.openxmlformats.org/officeDocument/2006/relationships" xmlns:p="http://schemas.openxmlformats.org/presentationml/2006/main">
   <p:cSld>
     <p:spTree>
@@ -18285,200 +18566,6 @@
     <p:extLst>
       <p:ext uri="{BB962C8B-B14F-4D97-AF65-F5344CB8AC3E}">
         <p14:creationId xmlns:p14="http://schemas.microsoft.com/office/powerpoint/2010/main" val="3542388819"/>
-      </p:ext>
-    </p:extLst>
-  </p:cSld>
-  <p:clrMapOvr>
-    <a:masterClrMapping/>
-  </p:clrMapOvr>
-</p:sld>
-</file>
-
-<file path=ppt/slides/slide9.xml><?xml version="1.0" encoding="utf-8"?>
-<p:sld xmlns:a="http://schemas.openxmlformats.org/drawingml/2006/main" xmlns:r="http://schemas.openxmlformats.org/officeDocument/2006/relationships" xmlns:p="http://schemas.openxmlformats.org/presentationml/2006/main">
-  <p:cSld>
-    <p:spTree>
-      <p:nvGrpSpPr>
-        <p:cNvPr id="1" name=""/>
-        <p:cNvGrpSpPr/>
-        <p:nvPr/>
-      </p:nvGrpSpPr>
-      <p:grpSpPr>
-        <a:xfrm>
-          <a:off x="0" y="0"/>
-          <a:ext cx="0" cy="0"/>
-          <a:chOff x="0" y="0"/>
-          <a:chExt cx="0" cy="0"/>
-        </a:xfrm>
-      </p:grpSpPr>
-      <p:sp>
-        <p:nvSpPr>
-          <p:cNvPr id="2" name="Title 1">
-            <a:extLst>
-              <a:ext uri="{FF2B5EF4-FFF2-40B4-BE49-F238E27FC236}">
-                <a16:creationId xmlns:a16="http://schemas.microsoft.com/office/drawing/2014/main" id="{51E57940-3F1A-864D-9F46-D49FE377BAC4}"/>
-              </a:ext>
-            </a:extLst>
-          </p:cNvPr>
-          <p:cNvSpPr>
-            <a:spLocks noGrp="1"/>
-          </p:cNvSpPr>
-          <p:nvPr>
-            <p:ph type="ctrTitle"/>
-          </p:nvPr>
-        </p:nvSpPr>
-        <p:spPr>
-          <a:xfrm>
-            <a:off x="416424" y="310102"/>
-            <a:ext cx="8544695" cy="4333460"/>
-          </a:xfrm>
-        </p:spPr>
-        <p:txBody>
-          <a:bodyPr/>
-          <a:lstStyle/>
-          <a:p>
-            <a:r>
-              <a:rPr lang="en-US" sz="1600" dirty="0"/>
-              <a:t>Lab Instruction: Phase 1 Part 1 (20-30 min)</a:t>
-            </a:r>
-            <a:br>
-              <a:rPr lang="en-US" sz="1600" dirty="0"/>
-            </a:br>
-            <a:r>
-              <a:rPr lang="en-US" sz="1600" dirty="0"/>
-              <a:t>Clone Repo</a:t>
-            </a:r>
-            <a:br>
-              <a:rPr lang="en-US" sz="1600" dirty="0"/>
-            </a:br>
-            <a:r>
-              <a:rPr lang="en-US" sz="1600" dirty="0"/>
-              <a:t>Checkout Branch &amp; Fetch Updates</a:t>
-            </a:r>
-            <a:br>
-              <a:rPr lang="en-US" sz="1600" dirty="0"/>
-            </a:br>
-            <a:r>
-              <a:rPr lang="en-US" sz="1600" dirty="0"/>
-              <a:t>Verify your </a:t>
-            </a:r>
-            <a:r>
-              <a:rPr lang="en-US" sz="1600" dirty="0" err="1"/>
-              <a:t>lab_vars.py</a:t>
-            </a:r>
-            <a:r>
-              <a:rPr lang="en-US" sz="1600" dirty="0"/>
-              <a:t> file, update your lab-</a:t>
-            </a:r>
-            <a:r>
-              <a:rPr lang="en-US" sz="1600" dirty="0" err="1"/>
-              <a:t>note.txt</a:t>
-            </a:r>
-            <a:br>
-              <a:rPr lang="en-US" sz="1600" dirty="0"/>
-            </a:br>
-            <a:r>
-              <a:rPr lang="en-US" sz="1600" dirty="0"/>
-              <a:t>Git Add, Git Commit, Git Push</a:t>
-            </a:r>
-            <a:br>
-              <a:rPr lang="en-US" sz="1600" dirty="0"/>
-            </a:br>
-            <a:r>
-              <a:rPr lang="en-US" sz="1600" dirty="0"/>
-              <a:t>Logon to Pipeline</a:t>
-            </a:r>
-            <a:br>
-              <a:rPr lang="en-US" sz="1600" dirty="0"/>
-            </a:br>
-            <a:r>
-              <a:rPr lang="en-US" sz="1600" dirty="0"/>
-              <a:t>Deploy Pipeline – Capture your SSH Key</a:t>
-            </a:r>
-            <a:br>
-              <a:rPr lang="en-US" sz="1600" dirty="0"/>
-            </a:br>
-            <a:r>
-              <a:rPr lang="en-US" sz="1600" dirty="0"/>
-              <a:t>SSH To Test Linux, CSR</a:t>
-            </a:r>
-            <a:br>
-              <a:rPr lang="en-US" sz="1600" dirty="0"/>
-            </a:br>
-            <a:r>
-              <a:rPr lang="en-US" sz="1600" dirty="0"/>
-              <a:t>Wait for Instructor Before Configuring CSR</a:t>
-            </a:r>
-            <a:br>
-              <a:rPr lang="en-US" sz="1600" dirty="0"/>
-            </a:br>
-            <a:br>
-              <a:rPr lang="en-US" sz="1600" dirty="0"/>
-            </a:br>
-            <a:r>
-              <a:rPr lang="en-US" sz="1600" dirty="0"/>
-              <a:t>Lab Instruction Phase 1 Part 2 (10-20 min)</a:t>
-            </a:r>
-            <a:br>
-              <a:rPr lang="en-US" sz="1600" dirty="0"/>
-            </a:br>
-            <a:r>
-              <a:rPr lang="en-US" sz="1600" dirty="0"/>
-              <a:t>CSR – check 2</a:t>
-            </a:r>
-            <a:r>
-              <a:rPr lang="en-US" sz="1600" baseline="30000" dirty="0"/>
-              <a:t>nd</a:t>
-            </a:r>
-            <a:r>
-              <a:rPr lang="en-US" sz="1600" dirty="0"/>
-              <a:t> NIC </a:t>
-            </a:r>
-            <a:br>
-              <a:rPr lang="en-US" sz="1600" dirty="0"/>
-            </a:br>
-            <a:r>
-              <a:rPr lang="en-US" sz="1600" dirty="0"/>
-              <a:t>Run the Configure CSR Task to Configure your CSR</a:t>
-            </a:r>
-            <a:br>
-              <a:rPr lang="en-US" sz="1600" dirty="0"/>
-            </a:br>
-            <a:r>
-              <a:rPr lang="en-US" sz="1600" dirty="0"/>
-              <a:t>Verify that traffic from Linux User01 is being routed outside CSR</a:t>
-            </a:r>
-            <a:br>
-              <a:rPr lang="en-US" sz="1600" dirty="0"/>
-            </a:br>
-            <a:r>
-              <a:rPr lang="en-US" sz="1600" dirty="0"/>
-              <a:t>Deploy Thousand Eyes Agent on Linux VMs</a:t>
-            </a:r>
-            <a:br>
-              <a:rPr lang="en-US" sz="1600" dirty="0"/>
-            </a:br>
-            <a:r>
-              <a:rPr lang="en-US" sz="1600" dirty="0"/>
-              <a:t>Logon to Thousand Eyes Console</a:t>
-            </a:r>
-            <a:br>
-              <a:rPr lang="en-US" sz="1600" dirty="0"/>
-            </a:br>
-            <a:br>
-              <a:rPr lang="en-US" sz="1600" dirty="0"/>
-            </a:br>
-            <a:r>
-              <a:rPr lang="en-US" sz="1600" dirty="0"/>
-              <a:t>Students Commit Code to Branch for Overnight Marking. Code Passing Tests will be added to Student Pipeline. At End of Training Lab on Final Day, Students will be challenged to rebuild their lab 100% from their Code Branch.</a:t>
-            </a:r>
-          </a:p>
-        </p:txBody>
-      </p:sp>
-    </p:spTree>
-    <p:extLst>
-      <p:ext uri="{BB962C8B-B14F-4D97-AF65-F5344CB8AC3E}">
-        <p14:creationId xmlns:p14="http://schemas.microsoft.com/office/powerpoint/2010/main" val="1867570614"/>
       </p:ext>
     </p:extLst>
   </p:cSld>

--- a/PowerPoint/CISCO FSO CLOUD LAB .pptx
+++ b/PowerPoint/CISCO FSO CLOUD LAB .pptx
@@ -338,7 +338,7 @@
               <a:pPr>
                 <a:defRPr/>
               </a:pPr>
-              <a:t>2/7/22</a:t>
+              <a:t>3/11/22</a:t>
             </a:fld>
             <a:endParaRPr lang="en-US"/>
           </a:p>
@@ -561,7 +561,7 @@
               <a:pPr>
                 <a:defRPr/>
               </a:pPr>
-              <a:t>2/7/22</a:t>
+              <a:t>3/11/22</a:t>
             </a:fld>
             <a:endParaRPr lang="en-US"/>
           </a:p>
@@ -1583,7 +1583,7 @@
               </a14:hiddenLine>
             </a:ext>
             <a:ext uri="{FAA26D3D-D897-4be2-8F04-BA451C77F1D7}">
-              <ma14:placeholderFlag xmlns:ma14="http://schemas.microsoft.com/office/mac/drawingml/2011/main" xmlns="" val="1"/>
+              <ma14:placeholderFlag xmlns="" xmlns:ma14="http://schemas.microsoft.com/office/mac/drawingml/2011/main" val="1"/>
             </a:ext>
           </a:extLst>
         </p:spPr>
@@ -1963,14 +1963,14 @@
           </a:ln>
           <a:extLst>
             <a:ext uri="{909E8E84-426E-40dd-AFC4-6F175D3DCCD1}">
-              <a14:hiddenFill xmlns="" xmlns:a14="http://schemas.microsoft.com/office/drawing/2010/main">
+              <a14:hiddenFill xmlns:a14="http://schemas.microsoft.com/office/drawing/2010/main" xmlns="">
                 <a:solidFill>
                   <a:srgbClr val="FFFFFF"/>
                 </a:solidFill>
               </a14:hiddenFill>
             </a:ext>
             <a:ext uri="{91240B29-F687-4f45-9708-019B960494DF}">
-              <a14:hiddenLine xmlns="" xmlns:a14="http://schemas.microsoft.com/office/drawing/2010/main" w="9525">
+              <a14:hiddenLine xmlns:a14="http://schemas.microsoft.com/office/drawing/2010/main" xmlns="" w="9525">
                 <a:solidFill>
                   <a:srgbClr val="000000"/>
                 </a:solidFill>
@@ -2073,7 +2073,7 @@
               </a14:hiddenLine>
             </a:ext>
             <a:ext uri="{FAA26D3D-D897-4be2-8F04-BA451C77F1D7}">
-              <ma14:placeholderFlag xmlns:ma14="http://schemas.microsoft.com/office/mac/drawingml/2011/main" xmlns="" val="1"/>
+              <ma14:placeholderFlag xmlns="" xmlns:ma14="http://schemas.microsoft.com/office/mac/drawingml/2011/main" val="1"/>
             </a:ext>
           </a:extLst>
         </p:spPr>
@@ -2299,14 +2299,14 @@
           </a:ln>
           <a:extLst>
             <a:ext uri="{909E8E84-426E-40dd-AFC4-6F175D3DCCD1}">
-              <a14:hiddenFill xmlns="" xmlns:a14="http://schemas.microsoft.com/office/drawing/2010/main">
+              <a14:hiddenFill xmlns:a14="http://schemas.microsoft.com/office/drawing/2010/main" xmlns="">
                 <a:solidFill>
                   <a:srgbClr val="FFFFFF"/>
                 </a:solidFill>
               </a14:hiddenFill>
             </a:ext>
             <a:ext uri="{91240B29-F687-4f45-9708-019B960494DF}">
-              <a14:hiddenLine xmlns="" xmlns:a14="http://schemas.microsoft.com/office/drawing/2010/main" w="9525">
+              <a14:hiddenLine xmlns:a14="http://schemas.microsoft.com/office/drawing/2010/main" xmlns="" w="9525">
                 <a:solidFill>
                   <a:srgbClr val="000000"/>
                 </a:solidFill>
@@ -2506,14 +2506,14 @@
           </a:ln>
           <a:extLst>
             <a:ext uri="{909E8E84-426E-40dd-AFC4-6F175D3DCCD1}">
-              <a14:hiddenFill xmlns="" xmlns:a14="http://schemas.microsoft.com/office/drawing/2010/main">
+              <a14:hiddenFill xmlns:a14="http://schemas.microsoft.com/office/drawing/2010/main" xmlns="">
                 <a:solidFill>
                   <a:srgbClr val="FFFFFF"/>
                 </a:solidFill>
               </a14:hiddenFill>
             </a:ext>
             <a:ext uri="{91240B29-F687-4f45-9708-019B960494DF}">
-              <a14:hiddenLine xmlns="" xmlns:a14="http://schemas.microsoft.com/office/drawing/2010/main" w="9525">
+              <a14:hiddenLine xmlns:a14="http://schemas.microsoft.com/office/drawing/2010/main" xmlns="" w="9525">
                 <a:solidFill>
                   <a:srgbClr val="000000"/>
                 </a:solidFill>
@@ -2656,14 +2656,14 @@
           </a:ln>
           <a:extLst>
             <a:ext uri="{909E8E84-426E-40dd-AFC4-6F175D3DCCD1}">
-              <a14:hiddenFill xmlns:a14="http://schemas.microsoft.com/office/drawing/2010/main" xmlns="">
+              <a14:hiddenFill xmlns="" xmlns:a14="http://schemas.microsoft.com/office/drawing/2010/main">
                 <a:solidFill>
                   <a:srgbClr val="FFFFFF"/>
                 </a:solidFill>
               </a14:hiddenFill>
             </a:ext>
             <a:ext uri="{91240B29-F687-4f45-9708-019B960494DF}">
-              <a14:hiddenLine xmlns:a14="http://schemas.microsoft.com/office/drawing/2010/main" xmlns="" w="9525">
+              <a14:hiddenLine xmlns="" xmlns:a14="http://schemas.microsoft.com/office/drawing/2010/main" w="9525">
                 <a:solidFill>
                   <a:srgbClr val="000000"/>
                 </a:solidFill>
@@ -2984,7 +2984,7 @@
               </a14:hiddenLine>
             </a:ext>
             <a:ext uri="{FAA26D3D-D897-4be2-8F04-BA451C77F1D7}">
-              <ma14:placeholderFlag xmlns:ma14="http://schemas.microsoft.com/office/mac/drawingml/2011/main" xmlns="" val="1"/>
+              <ma14:placeholderFlag xmlns="" xmlns:ma14="http://schemas.microsoft.com/office/mac/drawingml/2011/main" val="1"/>
             </a:ext>
           </a:extLst>
         </p:spPr>
@@ -3185,7 +3185,7 @@
           </a:ln>
           <a:extLst>
             <a:ext uri="{FAA26D3D-D897-4be2-8F04-BA451C77F1D7}">
-              <ma14:placeholderFlag xmlns:ma14="http://schemas.microsoft.com/office/mac/drawingml/2011/main" xmlns="" val="1"/>
+              <ma14:placeholderFlag xmlns="" xmlns:ma14="http://schemas.microsoft.com/office/mac/drawingml/2011/main" val="1"/>
             </a:ext>
           </a:extLst>
         </p:spPr>
@@ -3552,7 +3552,7 @@
               </a14:hiddenLine>
             </a:ext>
             <a:ext uri="{FAA26D3D-D897-4be2-8F04-BA451C77F1D7}">
-              <ma14:placeholderFlag xmlns:ma14="http://schemas.microsoft.com/office/mac/drawingml/2011/main" xmlns="" val="1"/>
+              <ma14:placeholderFlag xmlns="" xmlns:ma14="http://schemas.microsoft.com/office/mac/drawingml/2011/main" val="1"/>
             </a:ext>
           </a:extLst>
         </p:spPr>
@@ -4117,7 +4117,7 @@
           </a:ln>
           <a:extLst>
             <a:ext uri="{FAA26D3D-D897-4be2-8F04-BA451C77F1D7}">
-              <ma14:placeholderFlag xmlns:ma14="http://schemas.microsoft.com/office/mac/drawingml/2011/main" xmlns="" val="1"/>
+              <ma14:placeholderFlag xmlns="" xmlns:ma14="http://schemas.microsoft.com/office/mac/drawingml/2011/main" val="1"/>
             </a:ext>
           </a:extLst>
         </p:spPr>
@@ -4415,7 +4415,7 @@
           </a:ln>
           <a:extLst>
             <a:ext uri="{FAA26D3D-D897-4be2-8F04-BA451C77F1D7}">
-              <ma14:placeholderFlag xmlns:ma14="http://schemas.microsoft.com/office/mac/drawingml/2011/main" xmlns="" val="1"/>
+              <ma14:placeholderFlag xmlns="" xmlns:ma14="http://schemas.microsoft.com/office/mac/drawingml/2011/main" val="1"/>
             </a:ext>
           </a:extLst>
         </p:spPr>
@@ -4677,7 +4677,7 @@
           </a:ln>
           <a:extLst>
             <a:ext uri="{FAA26D3D-D897-4be2-8F04-BA451C77F1D7}">
-              <ma14:placeholderFlag xmlns:ma14="http://schemas.microsoft.com/office/mac/drawingml/2011/main" xmlns="" val="1"/>
+              <ma14:placeholderFlag xmlns="" xmlns:ma14="http://schemas.microsoft.com/office/mac/drawingml/2011/main" val="1"/>
             </a:ext>
           </a:extLst>
         </p:spPr>
@@ -4915,7 +4915,7 @@
               </a14:hiddenLine>
             </a:ext>
             <a:ext uri="{FAA26D3D-D897-4be2-8F04-BA451C77F1D7}">
-              <ma14:placeholderFlag xmlns:ma14="http://schemas.microsoft.com/office/mac/drawingml/2011/main" xmlns="" val="1"/>
+              <ma14:placeholderFlag xmlns="" xmlns:ma14="http://schemas.microsoft.com/office/mac/drawingml/2011/main" val="1"/>
             </a:ext>
           </a:extLst>
         </p:spPr>
@@ -5185,7 +5185,7 @@
               </a14:hiddenLine>
             </a:ext>
             <a:ext uri="{FAA26D3D-D897-4be2-8F04-BA451C77F1D7}">
-              <ma14:placeholderFlag xmlns:ma14="http://schemas.microsoft.com/office/mac/drawingml/2011/main" xmlns="" val="1"/>
+              <ma14:placeholderFlag xmlns="" xmlns:ma14="http://schemas.microsoft.com/office/mac/drawingml/2011/main" val="1"/>
             </a:ext>
           </a:extLst>
         </p:spPr>
@@ -5449,7 +5449,7 @@
               </a14:hiddenLine>
             </a:ext>
             <a:ext uri="{FAA26D3D-D897-4be2-8F04-BA451C77F1D7}">
-              <ma14:placeholderFlag xmlns:ma14="http://schemas.microsoft.com/office/mac/drawingml/2011/main" xmlns="" val="1"/>
+              <ma14:placeholderFlag xmlns="" xmlns:ma14="http://schemas.microsoft.com/office/mac/drawingml/2011/main" val="1"/>
             </a:ext>
           </a:extLst>
         </p:spPr>
@@ -6842,7 +6842,7 @@
               </a14:hiddenLine>
             </a:ext>
             <a:ext uri="{FAA26D3D-D897-4be2-8F04-BA451C77F1D7}">
-              <ma14:placeholderFlag xmlns:ma14="http://schemas.microsoft.com/office/mac/drawingml/2011/main" xmlns="" val="1"/>
+              <ma14:placeholderFlag xmlns="" xmlns:ma14="http://schemas.microsoft.com/office/mac/drawingml/2011/main" val="1"/>
             </a:ext>
           </a:extLst>
         </p:spPr>
@@ -18021,8 +18021,8 @@
         </p:nvSpPr>
         <p:spPr>
           <a:xfrm>
-            <a:off x="421967" y="652007"/>
-            <a:ext cx="7585544" cy="4678204"/>
+            <a:off x="421967" y="551207"/>
+            <a:ext cx="7585544" cy="4893647"/>
           </a:xfrm>
           <a:prstGeom prst="rect">
             <a:avLst/>
@@ -18149,6 +18149,14 @@
                 <a:latin typeface="+mn-lt"/>
               </a:rPr>
               <a:t>Configure TE Tests – Console and API 30 min – 1 HR.</a:t>
+            </a:r>
+          </a:p>
+          <a:p>
+            <a:r>
+              <a:rPr lang="en-US" sz="1400" dirty="0">
+                <a:latin typeface="+mn-lt"/>
+              </a:rPr>
+              <a:t>The Winners Gets a Prize!!!!!!!!</a:t>
             </a:r>
           </a:p>
           <a:p>

--- a/PowerPoint/CISCO FSO CLOUD LAB .pptx
+++ b/PowerPoint/CISCO FSO CLOUD LAB .pptx
@@ -5,32 +5,35 @@
     <p:sldMasterId id="2147484055" r:id="rId1"/>
   </p:sldMasterIdLst>
   <p:notesMasterIdLst>
-    <p:notesMasterId r:id="rId17"/>
+    <p:notesMasterId r:id="rId20"/>
   </p:notesMasterIdLst>
   <p:handoutMasterIdLst>
-    <p:handoutMasterId r:id="rId18"/>
+    <p:handoutMasterId r:id="rId21"/>
   </p:handoutMasterIdLst>
   <p:sldIdLst>
     <p:sldId id="305" r:id="rId2"/>
     <p:sldId id="5307" r:id="rId3"/>
-    <p:sldId id="5323" r:id="rId4"/>
-    <p:sldId id="5308" r:id="rId5"/>
-    <p:sldId id="5327" r:id="rId6"/>
-    <p:sldId id="5326" r:id="rId7"/>
-    <p:sldId id="5324" r:id="rId8"/>
-    <p:sldId id="5331" r:id="rId9"/>
-    <p:sldId id="5329" r:id="rId10"/>
-    <p:sldId id="5328" r:id="rId11"/>
-    <p:sldId id="5330" r:id="rId12"/>
-    <p:sldId id="5325" r:id="rId13"/>
-    <p:sldId id="5313" r:id="rId14"/>
-    <p:sldId id="5316" r:id="rId15"/>
-    <p:sldId id="5318" r:id="rId16"/>
+    <p:sldId id="5332" r:id="rId4"/>
+    <p:sldId id="5333" r:id="rId5"/>
+    <p:sldId id="5334" r:id="rId6"/>
+    <p:sldId id="5323" r:id="rId7"/>
+    <p:sldId id="5308" r:id="rId8"/>
+    <p:sldId id="5327" r:id="rId9"/>
+    <p:sldId id="5326" r:id="rId10"/>
+    <p:sldId id="5324" r:id="rId11"/>
+    <p:sldId id="5331" r:id="rId12"/>
+    <p:sldId id="5329" r:id="rId13"/>
+    <p:sldId id="5328" r:id="rId14"/>
+    <p:sldId id="5330" r:id="rId15"/>
+    <p:sldId id="5325" r:id="rId16"/>
+    <p:sldId id="5313" r:id="rId17"/>
+    <p:sldId id="5316" r:id="rId18"/>
+    <p:sldId id="5318" r:id="rId19"/>
   </p:sldIdLst>
   <p:sldSz cx="9144000" cy="5143500" type="screen16x9"/>
   <p:notesSz cx="6858000" cy="9144000"/>
   <p:custDataLst>
-    <p:tags r:id="rId19"/>
+    <p:tags r:id="rId22"/>
   </p:custDataLst>
   <p:defaultTextStyle>
     <a:defPPr>
@@ -164,6 +167,9 @@
           <p14:sldIdLst>
             <p14:sldId id="305"/>
             <p14:sldId id="5307"/>
+            <p14:sldId id="5332"/>
+            <p14:sldId id="5333"/>
+            <p14:sldId id="5334"/>
             <p14:sldId id="5323"/>
             <p14:sldId id="5308"/>
             <p14:sldId id="5327"/>
@@ -338,7 +344,7 @@
               <a:pPr>
                 <a:defRPr/>
               </a:pPr>
-              <a:t>3/11/22</a:t>
+              <a:t>4/20/22</a:t>
             </a:fld>
             <a:endParaRPr lang="en-US"/>
           </a:p>
@@ -561,7 +567,7 @@
               <a:pPr>
                 <a:defRPr/>
               </a:pPr>
-              <a:t>3/11/22</a:t>
+              <a:t>4/20/22</a:t>
             </a:fld>
             <a:endParaRPr lang="en-US"/>
           </a:p>
@@ -1583,7 +1589,7 @@
               </a14:hiddenLine>
             </a:ext>
             <a:ext uri="{FAA26D3D-D897-4be2-8F04-BA451C77F1D7}">
-              <ma14:placeholderFlag xmlns="" xmlns:ma14="http://schemas.microsoft.com/office/mac/drawingml/2011/main" val="1"/>
+              <ma14:placeholderFlag xmlns:ma14="http://schemas.microsoft.com/office/mac/drawingml/2011/main" xmlns="" val="1"/>
             </a:ext>
           </a:extLst>
         </p:spPr>
@@ -1963,14 +1969,14 @@
           </a:ln>
           <a:extLst>
             <a:ext uri="{909E8E84-426E-40dd-AFC4-6F175D3DCCD1}">
-              <a14:hiddenFill xmlns:a14="http://schemas.microsoft.com/office/drawing/2010/main" xmlns="">
+              <a14:hiddenFill xmlns="" xmlns:a14="http://schemas.microsoft.com/office/drawing/2010/main">
                 <a:solidFill>
                   <a:srgbClr val="FFFFFF"/>
                 </a:solidFill>
               </a14:hiddenFill>
             </a:ext>
             <a:ext uri="{91240B29-F687-4f45-9708-019B960494DF}">
-              <a14:hiddenLine xmlns:a14="http://schemas.microsoft.com/office/drawing/2010/main" xmlns="" w="9525">
+              <a14:hiddenLine xmlns="" xmlns:a14="http://schemas.microsoft.com/office/drawing/2010/main" w="9525">
                 <a:solidFill>
                   <a:srgbClr val="000000"/>
                 </a:solidFill>
@@ -2073,7 +2079,7 @@
               </a14:hiddenLine>
             </a:ext>
             <a:ext uri="{FAA26D3D-D897-4be2-8F04-BA451C77F1D7}">
-              <ma14:placeholderFlag xmlns="" xmlns:ma14="http://schemas.microsoft.com/office/mac/drawingml/2011/main" val="1"/>
+              <ma14:placeholderFlag xmlns:ma14="http://schemas.microsoft.com/office/mac/drawingml/2011/main" xmlns="" val="1"/>
             </a:ext>
           </a:extLst>
         </p:spPr>
@@ -2299,14 +2305,14 @@
           </a:ln>
           <a:extLst>
             <a:ext uri="{909E8E84-426E-40dd-AFC4-6F175D3DCCD1}">
-              <a14:hiddenFill xmlns:a14="http://schemas.microsoft.com/office/drawing/2010/main" xmlns="">
+              <a14:hiddenFill xmlns="" xmlns:a14="http://schemas.microsoft.com/office/drawing/2010/main">
                 <a:solidFill>
                   <a:srgbClr val="FFFFFF"/>
                 </a:solidFill>
               </a14:hiddenFill>
             </a:ext>
             <a:ext uri="{91240B29-F687-4f45-9708-019B960494DF}">
-              <a14:hiddenLine xmlns:a14="http://schemas.microsoft.com/office/drawing/2010/main" xmlns="" w="9525">
+              <a14:hiddenLine xmlns="" xmlns:a14="http://schemas.microsoft.com/office/drawing/2010/main" w="9525">
                 <a:solidFill>
                   <a:srgbClr val="000000"/>
                 </a:solidFill>
@@ -2506,14 +2512,14 @@
           </a:ln>
           <a:extLst>
             <a:ext uri="{909E8E84-426E-40dd-AFC4-6F175D3DCCD1}">
-              <a14:hiddenFill xmlns:a14="http://schemas.microsoft.com/office/drawing/2010/main" xmlns="">
+              <a14:hiddenFill xmlns="" xmlns:a14="http://schemas.microsoft.com/office/drawing/2010/main">
                 <a:solidFill>
                   <a:srgbClr val="FFFFFF"/>
                 </a:solidFill>
               </a14:hiddenFill>
             </a:ext>
             <a:ext uri="{91240B29-F687-4f45-9708-019B960494DF}">
-              <a14:hiddenLine xmlns:a14="http://schemas.microsoft.com/office/drawing/2010/main" xmlns="" w="9525">
+              <a14:hiddenLine xmlns="" xmlns:a14="http://schemas.microsoft.com/office/drawing/2010/main" w="9525">
                 <a:solidFill>
                   <a:srgbClr val="000000"/>
                 </a:solidFill>
@@ -2656,14 +2662,14 @@
           </a:ln>
           <a:extLst>
             <a:ext uri="{909E8E84-426E-40dd-AFC4-6F175D3DCCD1}">
-              <a14:hiddenFill xmlns="" xmlns:a14="http://schemas.microsoft.com/office/drawing/2010/main">
+              <a14:hiddenFill xmlns:a14="http://schemas.microsoft.com/office/drawing/2010/main" xmlns="">
                 <a:solidFill>
                   <a:srgbClr val="FFFFFF"/>
                 </a:solidFill>
               </a14:hiddenFill>
             </a:ext>
             <a:ext uri="{91240B29-F687-4f45-9708-019B960494DF}">
-              <a14:hiddenLine xmlns="" xmlns:a14="http://schemas.microsoft.com/office/drawing/2010/main" w="9525">
+              <a14:hiddenLine xmlns:a14="http://schemas.microsoft.com/office/drawing/2010/main" xmlns="" w="9525">
                 <a:solidFill>
                   <a:srgbClr val="000000"/>
                 </a:solidFill>
@@ -2984,7 +2990,7 @@
               </a14:hiddenLine>
             </a:ext>
             <a:ext uri="{FAA26D3D-D897-4be2-8F04-BA451C77F1D7}">
-              <ma14:placeholderFlag xmlns="" xmlns:ma14="http://schemas.microsoft.com/office/mac/drawingml/2011/main" val="1"/>
+              <ma14:placeholderFlag xmlns:ma14="http://schemas.microsoft.com/office/mac/drawingml/2011/main" xmlns="" val="1"/>
             </a:ext>
           </a:extLst>
         </p:spPr>
@@ -3185,7 +3191,7 @@
           </a:ln>
           <a:extLst>
             <a:ext uri="{FAA26D3D-D897-4be2-8F04-BA451C77F1D7}">
-              <ma14:placeholderFlag xmlns="" xmlns:ma14="http://schemas.microsoft.com/office/mac/drawingml/2011/main" val="1"/>
+              <ma14:placeholderFlag xmlns:ma14="http://schemas.microsoft.com/office/mac/drawingml/2011/main" xmlns="" val="1"/>
             </a:ext>
           </a:extLst>
         </p:spPr>
@@ -3552,7 +3558,7 @@
               </a14:hiddenLine>
             </a:ext>
             <a:ext uri="{FAA26D3D-D897-4be2-8F04-BA451C77F1D7}">
-              <ma14:placeholderFlag xmlns="" xmlns:ma14="http://schemas.microsoft.com/office/mac/drawingml/2011/main" val="1"/>
+              <ma14:placeholderFlag xmlns:ma14="http://schemas.microsoft.com/office/mac/drawingml/2011/main" xmlns="" val="1"/>
             </a:ext>
           </a:extLst>
         </p:spPr>
@@ -4117,7 +4123,7 @@
           </a:ln>
           <a:extLst>
             <a:ext uri="{FAA26D3D-D897-4be2-8F04-BA451C77F1D7}">
-              <ma14:placeholderFlag xmlns="" xmlns:ma14="http://schemas.microsoft.com/office/mac/drawingml/2011/main" val="1"/>
+              <ma14:placeholderFlag xmlns:ma14="http://schemas.microsoft.com/office/mac/drawingml/2011/main" xmlns="" val="1"/>
             </a:ext>
           </a:extLst>
         </p:spPr>
@@ -4415,7 +4421,7 @@
           </a:ln>
           <a:extLst>
             <a:ext uri="{FAA26D3D-D897-4be2-8F04-BA451C77F1D7}">
-              <ma14:placeholderFlag xmlns="" xmlns:ma14="http://schemas.microsoft.com/office/mac/drawingml/2011/main" val="1"/>
+              <ma14:placeholderFlag xmlns:ma14="http://schemas.microsoft.com/office/mac/drawingml/2011/main" xmlns="" val="1"/>
             </a:ext>
           </a:extLst>
         </p:spPr>
@@ -4677,7 +4683,7 @@
           </a:ln>
           <a:extLst>
             <a:ext uri="{FAA26D3D-D897-4be2-8F04-BA451C77F1D7}">
-              <ma14:placeholderFlag xmlns="" xmlns:ma14="http://schemas.microsoft.com/office/mac/drawingml/2011/main" val="1"/>
+              <ma14:placeholderFlag xmlns:ma14="http://schemas.microsoft.com/office/mac/drawingml/2011/main" xmlns="" val="1"/>
             </a:ext>
           </a:extLst>
         </p:spPr>
@@ -4915,7 +4921,7 @@
               </a14:hiddenLine>
             </a:ext>
             <a:ext uri="{FAA26D3D-D897-4be2-8F04-BA451C77F1D7}">
-              <ma14:placeholderFlag xmlns="" xmlns:ma14="http://schemas.microsoft.com/office/mac/drawingml/2011/main" val="1"/>
+              <ma14:placeholderFlag xmlns:ma14="http://schemas.microsoft.com/office/mac/drawingml/2011/main" xmlns="" val="1"/>
             </a:ext>
           </a:extLst>
         </p:spPr>
@@ -5185,7 +5191,7 @@
               </a14:hiddenLine>
             </a:ext>
             <a:ext uri="{FAA26D3D-D897-4be2-8F04-BA451C77F1D7}">
-              <ma14:placeholderFlag xmlns="" xmlns:ma14="http://schemas.microsoft.com/office/mac/drawingml/2011/main" val="1"/>
+              <ma14:placeholderFlag xmlns:ma14="http://schemas.microsoft.com/office/mac/drawingml/2011/main" xmlns="" val="1"/>
             </a:ext>
           </a:extLst>
         </p:spPr>
@@ -5449,7 +5455,7 @@
               </a14:hiddenLine>
             </a:ext>
             <a:ext uri="{FAA26D3D-D897-4be2-8F04-BA451C77F1D7}">
-              <ma14:placeholderFlag xmlns="" xmlns:ma14="http://schemas.microsoft.com/office/mac/drawingml/2011/main" val="1"/>
+              <ma14:placeholderFlag xmlns:ma14="http://schemas.microsoft.com/office/mac/drawingml/2011/main" xmlns="" val="1"/>
             </a:ext>
           </a:extLst>
         </p:spPr>
@@ -6842,7 +6848,7 @@
               </a14:hiddenLine>
             </a:ext>
             <a:ext uri="{FAA26D3D-D897-4be2-8F04-BA451C77F1D7}">
-              <ma14:placeholderFlag xmlns="" xmlns:ma14="http://schemas.microsoft.com/office/mac/drawingml/2011/main" val="1"/>
+              <ma14:placeholderFlag xmlns:ma14="http://schemas.microsoft.com/office/mac/drawingml/2011/main" xmlns="" val="1"/>
             </a:ext>
           </a:extLst>
         </p:spPr>
@@ -7918,6 +7924,586 @@
       </p:grpSpPr>
       <p:sp>
         <p:nvSpPr>
+          <p:cNvPr id="2" name="Title 1">
+            <a:extLst>
+              <a:ext uri="{FF2B5EF4-FFF2-40B4-BE49-F238E27FC236}">
+                <a16:creationId xmlns:a16="http://schemas.microsoft.com/office/drawing/2014/main" id="{A11DE5CD-A651-2041-9C49-27DD5459B2F3}"/>
+              </a:ext>
+            </a:extLst>
+          </p:cNvPr>
+          <p:cNvSpPr>
+            <a:spLocks noGrp="1"/>
+          </p:cNvSpPr>
+          <p:nvPr>
+            <p:ph type="ctrTitle"/>
+          </p:nvPr>
+        </p:nvSpPr>
+        <p:spPr>
+          <a:xfrm>
+            <a:off x="421968" y="386957"/>
+            <a:ext cx="8300063" cy="652134"/>
+          </a:xfrm>
+        </p:spPr>
+        <p:txBody>
+          <a:bodyPr/>
+          <a:lstStyle/>
+          <a:p>
+            <a:r>
+              <a:rPr lang="en-US" sz="3000" dirty="0"/>
+              <a:t>Lab Environment</a:t>
+            </a:r>
+            <a:br>
+              <a:rPr lang="en-US" sz="3000" dirty="0"/>
+            </a:br>
+            <a:endParaRPr lang="en-US" sz="3000" dirty="0"/>
+          </a:p>
+        </p:txBody>
+      </p:sp>
+      <p:sp>
+        <p:nvSpPr>
+          <p:cNvPr id="4" name="TextBox 3">
+            <a:extLst>
+              <a:ext uri="{FF2B5EF4-FFF2-40B4-BE49-F238E27FC236}">
+                <a16:creationId xmlns:a16="http://schemas.microsoft.com/office/drawing/2014/main" id="{E04244EA-74ED-3D4A-B750-74F535C660F4}"/>
+              </a:ext>
+            </a:extLst>
+          </p:cNvPr>
+          <p:cNvSpPr txBox="1"/>
+          <p:nvPr/>
+        </p:nvSpPr>
+        <p:spPr>
+          <a:xfrm>
+            <a:off x="421967" y="3368603"/>
+            <a:ext cx="8189295" cy="523220"/>
+          </a:xfrm>
+          <a:prstGeom prst="rect">
+            <a:avLst/>
+          </a:prstGeom>
+          <a:noFill/>
+        </p:spPr>
+        <p:txBody>
+          <a:bodyPr wrap="square" rtlCol="0">
+            <a:spAutoFit/>
+          </a:bodyPr>
+          <a:lstStyle/>
+          <a:p>
+            <a:endParaRPr lang="en-US" sz="1400" dirty="0"/>
+          </a:p>
+          <a:p>
+            <a:endParaRPr lang="en-US" sz="1400" dirty="0">
+              <a:latin typeface="+mn-lt"/>
+            </a:endParaRPr>
+          </a:p>
+        </p:txBody>
+      </p:sp>
+      <p:sp>
+        <p:nvSpPr>
+          <p:cNvPr id="3" name="TextBox 2">
+            <a:extLst>
+              <a:ext uri="{FF2B5EF4-FFF2-40B4-BE49-F238E27FC236}">
+                <a16:creationId xmlns:a16="http://schemas.microsoft.com/office/drawing/2014/main" id="{0D127803-6EE4-A64B-8558-07A4D5ABD0AD}"/>
+              </a:ext>
+            </a:extLst>
+          </p:cNvPr>
+          <p:cNvSpPr txBox="1"/>
+          <p:nvPr/>
+        </p:nvSpPr>
+        <p:spPr>
+          <a:xfrm>
+            <a:off x="421967" y="551207"/>
+            <a:ext cx="7585544" cy="4893647"/>
+          </a:xfrm>
+          <a:prstGeom prst="rect">
+            <a:avLst/>
+          </a:prstGeom>
+          <a:noFill/>
+        </p:spPr>
+        <p:txBody>
+          <a:bodyPr wrap="square" rtlCol="0">
+            <a:spAutoFit/>
+          </a:bodyPr>
+          <a:lstStyle/>
+          <a:p>
+            <a:r>
+              <a:rPr lang="en-US" sz="1400" dirty="0">
+                <a:latin typeface="+mn-lt"/>
+              </a:rPr>
+              <a:t>Lab Phase 1: Theme: Cloud Disaster Recovery Escape Room.</a:t>
+            </a:r>
+          </a:p>
+          <a:p>
+            <a:endParaRPr lang="en-US" sz="1400" dirty="0">
+              <a:latin typeface="+mn-lt"/>
+            </a:endParaRPr>
+          </a:p>
+          <a:p>
+            <a:r>
+              <a:rPr lang="en-US" sz="1400" dirty="0">
+                <a:latin typeface="+mn-lt"/>
+              </a:rPr>
+              <a:t>Lab Overview: Today we are simulating being members of the same Netops/</a:t>
+            </a:r>
+            <a:r>
+              <a:rPr lang="en-US" sz="1400" dirty="0" err="1">
+                <a:latin typeface="+mn-lt"/>
+              </a:rPr>
+              <a:t>Devops</a:t>
+            </a:r>
+            <a:r>
+              <a:rPr lang="en-US" sz="1400" dirty="0">
+                <a:latin typeface="+mn-lt"/>
+              </a:rPr>
+              <a:t> Team in a Large Software Environment. When you come into work, you discover that Your AWS Regions for Production are experiencing an extended outage. Your IT Director instructs you to deploy your environment to other Regions immediately. He delegates each of you a Remote/Office/Site/ Branch to Re-Deploy.</a:t>
+            </a:r>
+          </a:p>
+          <a:p>
+            <a:endParaRPr lang="en-US" sz="1400" dirty="0">
+              <a:latin typeface="+mn-lt"/>
+            </a:endParaRPr>
+          </a:p>
+          <a:p>
+            <a:r>
+              <a:rPr lang="en-US" sz="1400" dirty="0">
+                <a:latin typeface="+mn-lt"/>
+              </a:rPr>
+              <a:t>You have only 20 minutes to get your Company backup and Running! The Company is losing $50,000 every minute of downtime. If you can get your company back up and running in less that 20 minutes you get a bonus. You say “no sweat, all our infra is managed as code..</a:t>
+            </a:r>
+          </a:p>
+          <a:p>
+            <a:r>
+              <a:rPr lang="en-US" sz="1400" dirty="0">
+                <a:latin typeface="+mn-lt"/>
+              </a:rPr>
+              <a:t>hold my beer……..”</a:t>
+            </a:r>
+          </a:p>
+          <a:p>
+            <a:endParaRPr lang="en-US" sz="1400" dirty="0">
+              <a:latin typeface="+mn-lt"/>
+            </a:endParaRPr>
+          </a:p>
+          <a:p>
+            <a:r>
+              <a:rPr lang="en-US" sz="1400" dirty="0">
+                <a:latin typeface="+mn-lt"/>
+              </a:rPr>
+              <a:t>After you restore the environment, you convince your Boss to Deploy </a:t>
+            </a:r>
+          </a:p>
+          <a:p>
+            <a:r>
+              <a:rPr lang="en-US" sz="1400" dirty="0">
+                <a:latin typeface="+mn-lt"/>
+              </a:rPr>
+              <a:t>Cisco Thousand Eyes to help mitigate a Disaster like this in the future.</a:t>
+            </a:r>
+          </a:p>
+          <a:p>
+            <a:endParaRPr lang="en-US" sz="1400" dirty="0">
+              <a:latin typeface="+mn-lt"/>
+            </a:endParaRPr>
+          </a:p>
+          <a:p>
+            <a:r>
+              <a:rPr lang="en-US" sz="1400" dirty="0">
+                <a:latin typeface="+mn-lt"/>
+              </a:rPr>
+              <a:t>Deploy Environment – Team Competition – Fastest Time 12 minutes!</a:t>
+            </a:r>
+          </a:p>
+          <a:p>
+            <a:endParaRPr lang="en-US" sz="1400" dirty="0">
+              <a:latin typeface="+mn-lt"/>
+            </a:endParaRPr>
+          </a:p>
+          <a:p>
+            <a:r>
+              <a:rPr lang="en-US" sz="1400" dirty="0">
+                <a:latin typeface="+mn-lt"/>
+              </a:rPr>
+              <a:t>Deploy Thousand Eyes Agents – 30 min</a:t>
+            </a:r>
+          </a:p>
+          <a:p>
+            <a:r>
+              <a:rPr lang="en-US" sz="1400" dirty="0">
+                <a:latin typeface="+mn-lt"/>
+              </a:rPr>
+              <a:t>Logon to TE Console – Console Overview 30 min</a:t>
+            </a:r>
+          </a:p>
+          <a:p>
+            <a:r>
+              <a:rPr lang="en-US" sz="1400" dirty="0">
+                <a:latin typeface="+mn-lt"/>
+              </a:rPr>
+              <a:t>Configure TE Tests – Console and API 30 min – 1 HR.</a:t>
+            </a:r>
+          </a:p>
+          <a:p>
+            <a:r>
+              <a:rPr lang="en-US" sz="1400" dirty="0">
+                <a:latin typeface="+mn-lt"/>
+              </a:rPr>
+              <a:t>The Winners Gets a Prize!!!!!!!!</a:t>
+            </a:r>
+          </a:p>
+          <a:p>
+            <a:endParaRPr lang="en-US" dirty="0">
+              <a:latin typeface="+mn-lt"/>
+            </a:endParaRPr>
+          </a:p>
+        </p:txBody>
+      </p:sp>
+      <p:pic>
+        <p:nvPicPr>
+          <p:cNvPr id="6" name="Picture 5">
+            <a:extLst>
+              <a:ext uri="{FF2B5EF4-FFF2-40B4-BE49-F238E27FC236}">
+                <a16:creationId xmlns:a16="http://schemas.microsoft.com/office/drawing/2014/main" id="{9C8EE7DD-2EB6-754D-AA8F-09DC471A0C3C}"/>
+              </a:ext>
+            </a:extLst>
+          </p:cNvPr>
+          <p:cNvPicPr>
+            <a:picLocks noChangeAspect="1"/>
+          </p:cNvPicPr>
+          <p:nvPr/>
+        </p:nvPicPr>
+        <p:blipFill>
+          <a:blip r:embed="rId2"/>
+          <a:stretch>
+            <a:fillRect/>
+          </a:stretch>
+        </p:blipFill>
+        <p:spPr>
+          <a:xfrm>
+            <a:off x="5827288" y="2930678"/>
+            <a:ext cx="2894743" cy="1922290"/>
+          </a:xfrm>
+          <a:prstGeom prst="rect">
+            <a:avLst/>
+          </a:prstGeom>
+        </p:spPr>
+      </p:pic>
+    </p:spTree>
+    <p:extLst>
+      <p:ext uri="{BB962C8B-B14F-4D97-AF65-F5344CB8AC3E}">
+        <p14:creationId xmlns:p14="http://schemas.microsoft.com/office/powerpoint/2010/main" val="641361372"/>
+      </p:ext>
+    </p:extLst>
+  </p:cSld>
+  <p:clrMapOvr>
+    <a:masterClrMapping/>
+  </p:clrMapOvr>
+</p:sld>
+</file>
+
+<file path=ppt/slides/slide11.xml><?xml version="1.0" encoding="utf-8"?>
+<p:sld xmlns:a="http://schemas.openxmlformats.org/drawingml/2006/main" xmlns:r="http://schemas.openxmlformats.org/officeDocument/2006/relationships" xmlns:p="http://schemas.openxmlformats.org/presentationml/2006/main">
+  <p:cSld>
+    <p:spTree>
+      <p:nvGrpSpPr>
+        <p:cNvPr id="1" name=""/>
+        <p:cNvGrpSpPr/>
+        <p:nvPr/>
+      </p:nvGrpSpPr>
+      <p:grpSpPr>
+        <a:xfrm>
+          <a:off x="0" y="0"/>
+          <a:ext cx="0" cy="0"/>
+          <a:chOff x="0" y="0"/>
+          <a:chExt cx="0" cy="0"/>
+        </a:xfrm>
+      </p:grpSpPr>
+      <p:sp>
+        <p:nvSpPr>
+          <p:cNvPr id="2" name="Title 1">
+            <a:extLst>
+              <a:ext uri="{FF2B5EF4-FFF2-40B4-BE49-F238E27FC236}">
+                <a16:creationId xmlns:a16="http://schemas.microsoft.com/office/drawing/2014/main" id="{4CE4730D-A1A9-C742-94C3-5A486F425197}"/>
+              </a:ext>
+            </a:extLst>
+          </p:cNvPr>
+          <p:cNvSpPr>
+            <a:spLocks noGrp="1"/>
+          </p:cNvSpPr>
+          <p:nvPr>
+            <p:ph type="ctrTitle"/>
+          </p:nvPr>
+        </p:nvSpPr>
+        <p:spPr>
+          <a:xfrm>
+            <a:off x="678818" y="573503"/>
+            <a:ext cx="7598042" cy="794121"/>
+          </a:xfrm>
+        </p:spPr>
+        <p:txBody>
+          <a:bodyPr/>
+          <a:lstStyle/>
+          <a:p>
+            <a:r>
+              <a:rPr lang="en-US" sz="1600" dirty="0"/>
+              <a:t>Warning! The Chaos Monkey May Strike Overnight at Anytime! Please ensure you Commit your code the end of day!</a:t>
+            </a:r>
+          </a:p>
+        </p:txBody>
+      </p:sp>
+      <p:pic>
+        <p:nvPicPr>
+          <p:cNvPr id="7" name="Picture 6">
+            <a:extLst>
+              <a:ext uri="{FF2B5EF4-FFF2-40B4-BE49-F238E27FC236}">
+                <a16:creationId xmlns:a16="http://schemas.microsoft.com/office/drawing/2014/main" id="{2F955241-13AF-EE40-96E4-2FA3163579F8}"/>
+              </a:ext>
+            </a:extLst>
+          </p:cNvPr>
+          <p:cNvPicPr>
+            <a:picLocks noChangeAspect="1"/>
+          </p:cNvPicPr>
+          <p:nvPr/>
+        </p:nvPicPr>
+        <p:blipFill>
+          <a:blip r:embed="rId2"/>
+          <a:stretch>
+            <a:fillRect/>
+          </a:stretch>
+        </p:blipFill>
+        <p:spPr>
+          <a:xfrm>
+            <a:off x="2769866" y="1431235"/>
+            <a:ext cx="3719676" cy="3426018"/>
+          </a:xfrm>
+          <a:prstGeom prst="rect">
+            <a:avLst/>
+          </a:prstGeom>
+        </p:spPr>
+      </p:pic>
+    </p:spTree>
+    <p:extLst>
+      <p:ext uri="{BB962C8B-B14F-4D97-AF65-F5344CB8AC3E}">
+        <p14:creationId xmlns:p14="http://schemas.microsoft.com/office/powerpoint/2010/main" val="3542388819"/>
+      </p:ext>
+    </p:extLst>
+  </p:cSld>
+  <p:clrMapOvr>
+    <a:masterClrMapping/>
+  </p:clrMapOvr>
+</p:sld>
+</file>
+
+<file path=ppt/slides/slide12.xml><?xml version="1.0" encoding="utf-8"?>
+<p:sld xmlns:a="http://schemas.openxmlformats.org/drawingml/2006/main" xmlns:r="http://schemas.openxmlformats.org/officeDocument/2006/relationships" xmlns:p="http://schemas.openxmlformats.org/presentationml/2006/main">
+  <p:cSld>
+    <p:spTree>
+      <p:nvGrpSpPr>
+        <p:cNvPr id="1" name=""/>
+        <p:cNvGrpSpPr/>
+        <p:nvPr/>
+      </p:nvGrpSpPr>
+      <p:grpSpPr>
+        <a:xfrm>
+          <a:off x="0" y="0"/>
+          <a:ext cx="0" cy="0"/>
+          <a:chOff x="0" y="0"/>
+          <a:chExt cx="0" cy="0"/>
+        </a:xfrm>
+      </p:grpSpPr>
+      <p:sp>
+        <p:nvSpPr>
+          <p:cNvPr id="2" name="Title 1">
+            <a:extLst>
+              <a:ext uri="{FF2B5EF4-FFF2-40B4-BE49-F238E27FC236}">
+                <a16:creationId xmlns:a16="http://schemas.microsoft.com/office/drawing/2014/main" id="{51E57940-3F1A-864D-9F46-D49FE377BAC4}"/>
+              </a:ext>
+            </a:extLst>
+          </p:cNvPr>
+          <p:cNvSpPr>
+            <a:spLocks noGrp="1"/>
+          </p:cNvSpPr>
+          <p:nvPr>
+            <p:ph type="ctrTitle"/>
+          </p:nvPr>
+        </p:nvSpPr>
+        <p:spPr>
+          <a:xfrm>
+            <a:off x="416424" y="310102"/>
+            <a:ext cx="8544695" cy="4333460"/>
+          </a:xfrm>
+        </p:spPr>
+        <p:txBody>
+          <a:bodyPr/>
+          <a:lstStyle/>
+          <a:p>
+            <a:r>
+              <a:rPr lang="en-US" sz="1600" dirty="0"/>
+              <a:t>Lab Instruction: Phase 1 Part 1 (20-30 min)</a:t>
+            </a:r>
+            <a:br>
+              <a:rPr lang="en-US" sz="1600" dirty="0"/>
+            </a:br>
+            <a:r>
+              <a:rPr lang="en-US" sz="1600" dirty="0"/>
+              <a:t>Clone Repo</a:t>
+            </a:r>
+            <a:br>
+              <a:rPr lang="en-US" sz="1600" dirty="0"/>
+            </a:br>
+            <a:r>
+              <a:rPr lang="en-US" sz="1600" dirty="0"/>
+              <a:t>Checkout Branch &amp; Fetch Updates</a:t>
+            </a:r>
+            <a:br>
+              <a:rPr lang="en-US" sz="1600" dirty="0"/>
+            </a:br>
+            <a:r>
+              <a:rPr lang="en-US" sz="1600" dirty="0"/>
+              <a:t>Verify your </a:t>
+            </a:r>
+            <a:r>
+              <a:rPr lang="en-US" sz="1600" dirty="0" err="1"/>
+              <a:t>lab_vars.py</a:t>
+            </a:r>
+            <a:r>
+              <a:rPr lang="en-US" sz="1600" dirty="0"/>
+              <a:t> file, update your lab-</a:t>
+            </a:r>
+            <a:r>
+              <a:rPr lang="en-US" sz="1600" dirty="0" err="1"/>
+              <a:t>note.txt</a:t>
+            </a:r>
+            <a:br>
+              <a:rPr lang="en-US" sz="1600" dirty="0"/>
+            </a:br>
+            <a:r>
+              <a:rPr lang="en-US" sz="1600" dirty="0"/>
+              <a:t>Git Add, Git Commit, Git Push</a:t>
+            </a:r>
+            <a:br>
+              <a:rPr lang="en-US" sz="1600" dirty="0"/>
+            </a:br>
+            <a:r>
+              <a:rPr lang="en-US" sz="1600" dirty="0"/>
+              <a:t>Logon to Pipeline</a:t>
+            </a:r>
+            <a:br>
+              <a:rPr lang="en-US" sz="1600" dirty="0"/>
+            </a:br>
+            <a:r>
+              <a:rPr lang="en-US" sz="1600" dirty="0"/>
+              <a:t>Deploy Pipeline – Capture your SSH Key</a:t>
+            </a:r>
+            <a:br>
+              <a:rPr lang="en-US" sz="1600" dirty="0"/>
+            </a:br>
+            <a:r>
+              <a:rPr lang="en-US" sz="1600" dirty="0"/>
+              <a:t>SSH To Test Linux, CSR</a:t>
+            </a:r>
+            <a:br>
+              <a:rPr lang="en-US" sz="1600" dirty="0"/>
+            </a:br>
+            <a:r>
+              <a:rPr lang="en-US" sz="1600" dirty="0"/>
+              <a:t>Wait for Instructor Before Configuring CSR</a:t>
+            </a:r>
+            <a:br>
+              <a:rPr lang="en-US" sz="1600" dirty="0"/>
+            </a:br>
+            <a:br>
+              <a:rPr lang="en-US" sz="1600" dirty="0"/>
+            </a:br>
+            <a:r>
+              <a:rPr lang="en-US" sz="1600" dirty="0"/>
+              <a:t>Lab Instruction Phase 1 Part 2 (10-20 min)</a:t>
+            </a:r>
+            <a:br>
+              <a:rPr lang="en-US" sz="1600" dirty="0"/>
+            </a:br>
+            <a:r>
+              <a:rPr lang="en-US" sz="1600" dirty="0"/>
+              <a:t>CSR – check 2</a:t>
+            </a:r>
+            <a:r>
+              <a:rPr lang="en-US" sz="1600" baseline="30000" dirty="0"/>
+              <a:t>nd</a:t>
+            </a:r>
+            <a:r>
+              <a:rPr lang="en-US" sz="1600" dirty="0"/>
+              <a:t> NIC </a:t>
+            </a:r>
+            <a:br>
+              <a:rPr lang="en-US" sz="1600" dirty="0"/>
+            </a:br>
+            <a:r>
+              <a:rPr lang="en-US" sz="1600" dirty="0"/>
+              <a:t>Run the Configure CSR Task to Configure your CSR</a:t>
+            </a:r>
+            <a:br>
+              <a:rPr lang="en-US" sz="1600" dirty="0"/>
+            </a:br>
+            <a:r>
+              <a:rPr lang="en-US" sz="1600" dirty="0"/>
+              <a:t>Verify that traffic from Linux User01 is being routed outside CSR</a:t>
+            </a:r>
+            <a:br>
+              <a:rPr lang="en-US" sz="1600" dirty="0"/>
+            </a:br>
+            <a:r>
+              <a:rPr lang="en-US" sz="1600" dirty="0"/>
+              <a:t>Deploy Thousand Eyes Agent on Linux VMs</a:t>
+            </a:r>
+            <a:br>
+              <a:rPr lang="en-US" sz="1600" dirty="0"/>
+            </a:br>
+            <a:r>
+              <a:rPr lang="en-US" sz="1600" dirty="0"/>
+              <a:t>Logon to Thousand Eyes Console</a:t>
+            </a:r>
+            <a:br>
+              <a:rPr lang="en-US" sz="1600" dirty="0"/>
+            </a:br>
+            <a:br>
+              <a:rPr lang="en-US" sz="1600" dirty="0"/>
+            </a:br>
+            <a:r>
+              <a:rPr lang="en-US" sz="1600" dirty="0"/>
+              <a:t>Students Commit Code to Branch for Overnight Marking. Code Passing Tests will be added to Student Pipeline. At End of Training Lab on Final Day, Students will be challenged to rebuild their lab 100% from their Code Branch.</a:t>
+            </a:r>
+          </a:p>
+        </p:txBody>
+      </p:sp>
+    </p:spTree>
+    <p:extLst>
+      <p:ext uri="{BB962C8B-B14F-4D97-AF65-F5344CB8AC3E}">
+        <p14:creationId xmlns:p14="http://schemas.microsoft.com/office/powerpoint/2010/main" val="1867570614"/>
+      </p:ext>
+    </p:extLst>
+  </p:cSld>
+  <p:clrMapOvr>
+    <a:masterClrMapping/>
+  </p:clrMapOvr>
+</p:sld>
+</file>
+
+<file path=ppt/slides/slide13.xml><?xml version="1.0" encoding="utf-8"?>
+<p:sld xmlns:a="http://schemas.openxmlformats.org/drawingml/2006/main" xmlns:r="http://schemas.openxmlformats.org/officeDocument/2006/relationships" xmlns:p="http://schemas.openxmlformats.org/presentationml/2006/main">
+  <p:cSld>
+    <p:spTree>
+      <p:nvGrpSpPr>
+        <p:cNvPr id="1" name=""/>
+        <p:cNvGrpSpPr/>
+        <p:nvPr/>
+      </p:nvGrpSpPr>
+      <p:grpSpPr>
+        <a:xfrm>
+          <a:off x="0" y="0"/>
+          <a:ext cx="0" cy="0"/>
+          <a:chOff x="0" y="0"/>
+          <a:chExt cx="0" cy="0"/>
+        </a:xfrm>
+      </p:grpSpPr>
+      <p:sp>
+        <p:nvSpPr>
           <p:cNvPr id="3" name="TextBox 2">
             <a:extLst>
               <a:ext uri="{FF2B5EF4-FFF2-40B4-BE49-F238E27FC236}">
@@ -8028,7 +8614,7 @@
 </p:sld>
 </file>
 
-<file path=ppt/slides/slide11.xml><?xml version="1.0" encoding="utf-8"?>
+<file path=ppt/slides/slide14.xml><?xml version="1.0" encoding="utf-8"?>
 <p:sld xmlns:a="http://schemas.openxmlformats.org/drawingml/2006/main" xmlns:r="http://schemas.openxmlformats.org/officeDocument/2006/relationships" xmlns:p="http://schemas.openxmlformats.org/presentationml/2006/main">
   <p:cSld>
     <p:spTree>
@@ -8206,7 +8792,7 @@
 </p:sld>
 </file>
 
-<file path=ppt/slides/slide12.xml><?xml version="1.0" encoding="utf-8"?>
+<file path=ppt/slides/slide15.xml><?xml version="1.0" encoding="utf-8"?>
 <p:sld xmlns:a="http://schemas.openxmlformats.org/drawingml/2006/main" xmlns:r="http://schemas.openxmlformats.org/officeDocument/2006/relationships" xmlns:p="http://schemas.openxmlformats.org/presentationml/2006/main">
   <p:cSld>
     <p:spTree>
@@ -8482,7 +9068,7 @@
 </p:sld>
 </file>
 
-<file path=ppt/slides/slide13.xml><?xml version="1.0" encoding="utf-8"?>
+<file path=ppt/slides/slide16.xml><?xml version="1.0" encoding="utf-8"?>
 <p:sld xmlns:a="http://schemas.openxmlformats.org/drawingml/2006/main" xmlns:r="http://schemas.openxmlformats.org/officeDocument/2006/relationships" xmlns:p="http://schemas.openxmlformats.org/presentationml/2006/main">
   <p:cSld>
     <p:spTree>
@@ -8767,7 +9353,7 @@
 </p:sld>
 </file>
 
-<file path=ppt/slides/slide14.xml><?xml version="1.0" encoding="utf-8"?>
+<file path=ppt/slides/slide17.xml><?xml version="1.0" encoding="utf-8"?>
 <p:sld xmlns:a="http://schemas.openxmlformats.org/drawingml/2006/main" xmlns:r="http://schemas.openxmlformats.org/officeDocument/2006/relationships" xmlns:p="http://schemas.openxmlformats.org/presentationml/2006/main">
   <p:cSld>
     <p:spTree>
@@ -10065,7 +10651,7 @@
 </p:sld>
 </file>
 
-<file path=ppt/slides/slide15.xml><?xml version="1.0" encoding="utf-8"?>
+<file path=ppt/slides/slide18.xml><?xml version="1.0" encoding="utf-8"?>
 <p:sld xmlns:a="http://schemas.openxmlformats.org/drawingml/2006/main" xmlns:r="http://schemas.openxmlformats.org/officeDocument/2006/relationships" xmlns:p="http://schemas.openxmlformats.org/presentationml/2006/main">
   <p:cSld>
     <p:spTree>
@@ -11011,6 +11597,888 @@
 </file>
 
 <file path=ppt/slides/slide3.xml><?xml version="1.0" encoding="utf-8"?>
+<p:sld xmlns:a="http://schemas.openxmlformats.org/drawingml/2006/main" xmlns:r="http://schemas.openxmlformats.org/officeDocument/2006/relationships" xmlns:p="http://schemas.openxmlformats.org/presentationml/2006/main">
+  <p:cSld>
+    <p:spTree>
+      <p:nvGrpSpPr>
+        <p:cNvPr id="1" name=""/>
+        <p:cNvGrpSpPr/>
+        <p:nvPr/>
+      </p:nvGrpSpPr>
+      <p:grpSpPr>
+        <a:xfrm>
+          <a:off x="0" y="0"/>
+          <a:ext cx="0" cy="0"/>
+          <a:chOff x="0" y="0"/>
+          <a:chExt cx="0" cy="0"/>
+        </a:xfrm>
+      </p:grpSpPr>
+      <p:sp>
+        <p:nvSpPr>
+          <p:cNvPr id="2" name="Title 1">
+            <a:extLst>
+              <a:ext uri="{FF2B5EF4-FFF2-40B4-BE49-F238E27FC236}">
+                <a16:creationId xmlns:a16="http://schemas.microsoft.com/office/drawing/2014/main" id="{64143EBF-51E9-7645-AEDD-73132CA34AFA}"/>
+              </a:ext>
+            </a:extLst>
+          </p:cNvPr>
+          <p:cNvSpPr>
+            <a:spLocks noGrp="1"/>
+          </p:cNvSpPr>
+          <p:nvPr>
+            <p:ph type="ctrTitle"/>
+          </p:nvPr>
+        </p:nvSpPr>
+        <p:spPr>
+          <a:xfrm>
+            <a:off x="387245" y="405278"/>
+            <a:ext cx="7783438" cy="660630"/>
+          </a:xfrm>
+        </p:spPr>
+        <p:txBody>
+          <a:bodyPr/>
+          <a:lstStyle/>
+          <a:p>
+            <a:r>
+              <a:rPr lang="en-US" dirty="0" err="1"/>
+              <a:t>Devops</a:t>
+            </a:r>
+            <a:r>
+              <a:rPr lang="en-US" dirty="0"/>
+              <a:t> Workflow</a:t>
+            </a:r>
+          </a:p>
+        </p:txBody>
+      </p:sp>
+      <p:pic>
+        <p:nvPicPr>
+          <p:cNvPr id="3" name="Picture 2">
+            <a:extLst>
+              <a:ext uri="{FF2B5EF4-FFF2-40B4-BE49-F238E27FC236}">
+                <a16:creationId xmlns:a16="http://schemas.microsoft.com/office/drawing/2014/main" id="{92182B27-9A3E-0268-C5D3-0C3DD6D28F08}"/>
+              </a:ext>
+            </a:extLst>
+          </p:cNvPr>
+          <p:cNvPicPr>
+            <a:picLocks noChangeAspect="1"/>
+          </p:cNvPicPr>
+          <p:nvPr/>
+        </p:nvPicPr>
+        <p:blipFill>
+          <a:blip r:embed="rId2"/>
+          <a:stretch>
+            <a:fillRect/>
+          </a:stretch>
+        </p:blipFill>
+        <p:spPr>
+          <a:xfrm>
+            <a:off x="717025" y="1349477"/>
+            <a:ext cx="710714" cy="710714"/>
+          </a:xfrm>
+          <a:prstGeom prst="rect">
+            <a:avLst/>
+          </a:prstGeom>
+        </p:spPr>
+      </p:pic>
+      <p:sp>
+        <p:nvSpPr>
+          <p:cNvPr id="4" name="TextBox 3">
+            <a:extLst>
+              <a:ext uri="{FF2B5EF4-FFF2-40B4-BE49-F238E27FC236}">
+                <a16:creationId xmlns:a16="http://schemas.microsoft.com/office/drawing/2014/main" id="{7BEAA395-7B97-DE95-A778-E7E594ADFD5E}"/>
+              </a:ext>
+            </a:extLst>
+          </p:cNvPr>
+          <p:cNvSpPr txBox="1"/>
+          <p:nvPr/>
+        </p:nvSpPr>
+        <p:spPr>
+          <a:xfrm>
+            <a:off x="1918009" y="1220363"/>
+            <a:ext cx="5464097" cy="707886"/>
+          </a:xfrm>
+          <a:prstGeom prst="rect">
+            <a:avLst/>
+          </a:prstGeom>
+          <a:noFill/>
+        </p:spPr>
+        <p:txBody>
+          <a:bodyPr wrap="square" rtlCol="0">
+            <a:spAutoFit/>
+          </a:bodyPr>
+          <a:lstStyle/>
+          <a:p>
+            <a:r>
+              <a:rPr lang="en-US" sz="1000" dirty="0">
+                <a:latin typeface="+mn-lt"/>
+              </a:rPr>
+              <a:t>Sprint Meeting:</a:t>
+            </a:r>
+          </a:p>
+          <a:p>
+            <a:pPr marL="285750" indent="-285750">
+              <a:buFont typeface="Wingdings" pitchFamily="2" charset="2"/>
+              <a:buChar char="q"/>
+            </a:pPr>
+            <a:r>
+              <a:rPr lang="en-US" sz="1000" dirty="0">
+                <a:latin typeface="+mn-lt"/>
+              </a:rPr>
+              <a:t>Based on capacity and priorities, stories are assigned to Team Members. </a:t>
+            </a:r>
+          </a:p>
+          <a:p>
+            <a:pPr marL="285750" indent="-285750">
+              <a:buFont typeface="Wingdings" pitchFamily="2" charset="2"/>
+              <a:buChar char="q"/>
+            </a:pPr>
+            <a:r>
+              <a:rPr lang="en-US" sz="1000" dirty="0">
+                <a:latin typeface="+mn-lt"/>
+              </a:rPr>
+              <a:t>Stories can be additionally broken up and estimated. Stories are assigned to Individual Team Members</a:t>
+            </a:r>
+          </a:p>
+        </p:txBody>
+      </p:sp>
+      <p:pic>
+        <p:nvPicPr>
+          <p:cNvPr id="5" name="Picture 4">
+            <a:extLst>
+              <a:ext uri="{FF2B5EF4-FFF2-40B4-BE49-F238E27FC236}">
+                <a16:creationId xmlns:a16="http://schemas.microsoft.com/office/drawing/2014/main" id="{46AF6378-EE1C-4046-E3EA-49E60B34B49C}"/>
+              </a:ext>
+            </a:extLst>
+          </p:cNvPr>
+          <p:cNvPicPr>
+            <a:picLocks noChangeAspect="1"/>
+          </p:cNvPicPr>
+          <p:nvPr/>
+        </p:nvPicPr>
+        <p:blipFill>
+          <a:blip r:embed="rId3"/>
+          <a:stretch>
+            <a:fillRect/>
+          </a:stretch>
+        </p:blipFill>
+        <p:spPr>
+          <a:xfrm>
+            <a:off x="500668" y="2600326"/>
+            <a:ext cx="927071" cy="491815"/>
+          </a:xfrm>
+          <a:prstGeom prst="rect">
+            <a:avLst/>
+          </a:prstGeom>
+        </p:spPr>
+      </p:pic>
+      <p:sp>
+        <p:nvSpPr>
+          <p:cNvPr id="6" name="TextBox 5">
+            <a:extLst>
+              <a:ext uri="{FF2B5EF4-FFF2-40B4-BE49-F238E27FC236}">
+                <a16:creationId xmlns:a16="http://schemas.microsoft.com/office/drawing/2014/main" id="{6FCEFBD3-4861-4897-EF90-CE4635FA1C6A}"/>
+              </a:ext>
+            </a:extLst>
+          </p:cNvPr>
+          <p:cNvSpPr txBox="1"/>
+          <p:nvPr/>
+        </p:nvSpPr>
+        <p:spPr>
+          <a:xfrm>
+            <a:off x="1918008" y="2322100"/>
+            <a:ext cx="6103437" cy="861774"/>
+          </a:xfrm>
+          <a:prstGeom prst="rect">
+            <a:avLst/>
+          </a:prstGeom>
+          <a:noFill/>
+        </p:spPr>
+        <p:txBody>
+          <a:bodyPr wrap="square" rtlCol="0">
+            <a:spAutoFit/>
+          </a:bodyPr>
+          <a:lstStyle/>
+          <a:p>
+            <a:pPr marL="285750" indent="-285750">
+              <a:buFont typeface="Wingdings" pitchFamily="2" charset="2"/>
+              <a:buChar char="q"/>
+            </a:pPr>
+            <a:r>
+              <a:rPr lang="en-US" sz="1000" dirty="0">
+                <a:latin typeface="+mn-lt"/>
+              </a:rPr>
+              <a:t>Engineer creates a new branch from the DEV branch, and names it with the Jira Story Number / Engineer’s Name. Example:</a:t>
+            </a:r>
+          </a:p>
+          <a:p>
+            <a:pPr marL="285750" indent="-285750">
+              <a:buFont typeface="Wingdings" pitchFamily="2" charset="2"/>
+              <a:buChar char="q"/>
+            </a:pPr>
+            <a:r>
+              <a:rPr lang="en-US" sz="1000" dirty="0">
+                <a:latin typeface="+mn-lt"/>
+              </a:rPr>
+              <a:t>1234567/</a:t>
+            </a:r>
+            <a:r>
+              <a:rPr lang="en-US" sz="1000" dirty="0" err="1">
+                <a:latin typeface="+mn-lt"/>
+              </a:rPr>
+              <a:t>jsmith</a:t>
+            </a:r>
+            <a:r>
+              <a:rPr lang="en-US" sz="1000" dirty="0">
+                <a:latin typeface="+mn-lt"/>
+              </a:rPr>
+              <a:t>. </a:t>
+            </a:r>
+          </a:p>
+          <a:p>
+            <a:pPr marL="285750" indent="-285750">
+              <a:buFont typeface="Wingdings" pitchFamily="2" charset="2"/>
+              <a:buChar char="q"/>
+            </a:pPr>
+            <a:r>
+              <a:rPr lang="en-US" sz="1000" dirty="0">
+                <a:latin typeface="+mn-lt"/>
+              </a:rPr>
+              <a:t>An Engineer can have as many branches as they like depending on how many stories/features/etc.</a:t>
+            </a:r>
+          </a:p>
+          <a:p>
+            <a:pPr marL="285750" indent="-285750">
+              <a:buFont typeface="Wingdings" pitchFamily="2" charset="2"/>
+              <a:buChar char="q"/>
+            </a:pPr>
+            <a:r>
+              <a:rPr lang="en-US" sz="1000" dirty="0">
+                <a:latin typeface="+mn-lt"/>
+              </a:rPr>
+              <a:t>Engineer beings using rapid iteration to develop code</a:t>
+            </a:r>
+          </a:p>
+        </p:txBody>
+      </p:sp>
+      <p:pic>
+        <p:nvPicPr>
+          <p:cNvPr id="7" name="Picture 6">
+            <a:extLst>
+              <a:ext uri="{FF2B5EF4-FFF2-40B4-BE49-F238E27FC236}">
+                <a16:creationId xmlns:a16="http://schemas.microsoft.com/office/drawing/2014/main" id="{A37362A0-00AE-2A2E-DE78-2CCD6CAEDF25}"/>
+              </a:ext>
+            </a:extLst>
+          </p:cNvPr>
+          <p:cNvPicPr>
+            <a:picLocks noChangeAspect="1"/>
+          </p:cNvPicPr>
+          <p:nvPr/>
+        </p:nvPicPr>
+        <p:blipFill>
+          <a:blip r:embed="rId4"/>
+          <a:stretch>
+            <a:fillRect/>
+          </a:stretch>
+        </p:blipFill>
+        <p:spPr>
+          <a:xfrm>
+            <a:off x="778689" y="3946292"/>
+            <a:ext cx="567276" cy="566177"/>
+          </a:xfrm>
+          <a:prstGeom prst="rect">
+            <a:avLst/>
+          </a:prstGeom>
+        </p:spPr>
+      </p:pic>
+      <p:sp>
+        <p:nvSpPr>
+          <p:cNvPr id="8" name="TextBox 7">
+            <a:extLst>
+              <a:ext uri="{FF2B5EF4-FFF2-40B4-BE49-F238E27FC236}">
+                <a16:creationId xmlns:a16="http://schemas.microsoft.com/office/drawing/2014/main" id="{B613F74B-E0AB-7CD7-815B-FF8B3BAC777E}"/>
+              </a:ext>
+            </a:extLst>
+          </p:cNvPr>
+          <p:cNvSpPr txBox="1"/>
+          <p:nvPr/>
+        </p:nvSpPr>
+        <p:spPr>
+          <a:xfrm>
+            <a:off x="1918008" y="3793170"/>
+            <a:ext cx="5813504" cy="1169551"/>
+          </a:xfrm>
+          <a:prstGeom prst="rect">
+            <a:avLst/>
+          </a:prstGeom>
+          <a:noFill/>
+        </p:spPr>
+        <p:txBody>
+          <a:bodyPr wrap="square" rtlCol="0">
+            <a:spAutoFit/>
+          </a:bodyPr>
+          <a:lstStyle/>
+          <a:p>
+            <a:pPr marL="171450" indent="-171450">
+              <a:buFont typeface="Wingdings" pitchFamily="2" charset="2"/>
+              <a:buChar char="q"/>
+            </a:pPr>
+            <a:r>
+              <a:rPr lang="en-US" sz="1000" dirty="0">
+                <a:latin typeface="+mn-lt"/>
+              </a:rPr>
+              <a:t>Engineer tests their code in tasks (the tasks pull the curated OCI images to build the code)</a:t>
+            </a:r>
+          </a:p>
+          <a:p>
+            <a:pPr marL="171450" indent="-171450">
+              <a:buFont typeface="Wingdings" pitchFamily="2" charset="2"/>
+              <a:buChar char="q"/>
+            </a:pPr>
+            <a:r>
+              <a:rPr lang="en-US" sz="1000" dirty="0">
+                <a:latin typeface="+mn-lt"/>
+              </a:rPr>
+              <a:t>When tasks passes, Engineer will merge into branch from upstream branch to ensure they have all recent merges and re-test. If green:</a:t>
+            </a:r>
+          </a:p>
+          <a:p>
+            <a:pPr marL="171450" indent="-171450">
+              <a:buFont typeface="Wingdings" pitchFamily="2" charset="2"/>
+              <a:buChar char="q"/>
+            </a:pPr>
+            <a:r>
+              <a:rPr lang="en-US" sz="1000" dirty="0">
+                <a:latin typeface="+mn-lt"/>
+              </a:rPr>
+              <a:t>Engineer builds their branch in the pipeline </a:t>
+            </a:r>
+          </a:p>
+          <a:p>
+            <a:pPr marL="171450" indent="-171450">
+              <a:buFont typeface="Wingdings" pitchFamily="2" charset="2"/>
+              <a:buChar char="q"/>
+            </a:pPr>
+            <a:r>
+              <a:rPr lang="en-US" sz="1000" dirty="0">
+                <a:latin typeface="+mn-lt"/>
+              </a:rPr>
+              <a:t>If the pipeline builds successfully, Engineer creates a PR. </a:t>
+            </a:r>
+          </a:p>
+          <a:p>
+            <a:pPr marL="171450" indent="-171450">
+              <a:buFont typeface="Wingdings" pitchFamily="2" charset="2"/>
+              <a:buChar char="q"/>
+            </a:pPr>
+            <a:r>
+              <a:rPr lang="en-US" sz="1000" dirty="0">
+                <a:latin typeface="+mn-lt"/>
+              </a:rPr>
+              <a:t>Team Lead(s) will verify code branch has passed and will review changes in git and either reject or pass and merge.</a:t>
+            </a:r>
+          </a:p>
+        </p:txBody>
+      </p:sp>
+    </p:spTree>
+    <p:extLst>
+      <p:ext uri="{BB962C8B-B14F-4D97-AF65-F5344CB8AC3E}">
+        <p14:creationId xmlns:p14="http://schemas.microsoft.com/office/powerpoint/2010/main" val="653138902"/>
+      </p:ext>
+    </p:extLst>
+  </p:cSld>
+  <p:clrMapOvr>
+    <a:masterClrMapping/>
+  </p:clrMapOvr>
+</p:sld>
+</file>
+
+<file path=ppt/slides/slide4.xml><?xml version="1.0" encoding="utf-8"?>
+<p:sld xmlns:a="http://schemas.openxmlformats.org/drawingml/2006/main" xmlns:r="http://schemas.openxmlformats.org/officeDocument/2006/relationships" xmlns:p="http://schemas.openxmlformats.org/presentationml/2006/main">
+  <p:cSld>
+    <p:spTree>
+      <p:nvGrpSpPr>
+        <p:cNvPr id="1" name=""/>
+        <p:cNvGrpSpPr/>
+        <p:nvPr/>
+      </p:nvGrpSpPr>
+      <p:grpSpPr>
+        <a:xfrm>
+          <a:off x="0" y="0"/>
+          <a:ext cx="0" cy="0"/>
+          <a:chOff x="0" y="0"/>
+          <a:chExt cx="0" cy="0"/>
+        </a:xfrm>
+      </p:grpSpPr>
+      <p:sp>
+        <p:nvSpPr>
+          <p:cNvPr id="2" name="Title 1">
+            <a:extLst>
+              <a:ext uri="{FF2B5EF4-FFF2-40B4-BE49-F238E27FC236}">
+                <a16:creationId xmlns:a16="http://schemas.microsoft.com/office/drawing/2014/main" id="{CC696A43-1EF3-2A1F-F274-20A6CE96E988}"/>
+              </a:ext>
+            </a:extLst>
+          </p:cNvPr>
+          <p:cNvSpPr>
+            <a:spLocks noGrp="1"/>
+          </p:cNvSpPr>
+          <p:nvPr>
+            <p:ph type="ctrTitle"/>
+          </p:nvPr>
+        </p:nvSpPr>
+        <p:spPr>
+          <a:xfrm>
+            <a:off x="394123" y="372716"/>
+            <a:ext cx="7598042" cy="1277664"/>
+          </a:xfrm>
+        </p:spPr>
+        <p:txBody>
+          <a:bodyPr/>
+          <a:lstStyle/>
+          <a:p>
+            <a:r>
+              <a:rPr lang="en-US" dirty="0"/>
+              <a:t>Infrastructure Release Workflow</a:t>
+            </a:r>
+          </a:p>
+        </p:txBody>
+      </p:sp>
+      <p:sp>
+        <p:nvSpPr>
+          <p:cNvPr id="3" name="TextBox 2">
+            <a:extLst>
+              <a:ext uri="{FF2B5EF4-FFF2-40B4-BE49-F238E27FC236}">
+                <a16:creationId xmlns:a16="http://schemas.microsoft.com/office/drawing/2014/main" id="{53297E4C-B6FB-40D1-7D0A-16D2CA5E98B9}"/>
+              </a:ext>
+            </a:extLst>
+          </p:cNvPr>
+          <p:cNvSpPr txBox="1"/>
+          <p:nvPr/>
+        </p:nvSpPr>
+        <p:spPr>
+          <a:xfrm>
+            <a:off x="1434789" y="1828800"/>
+            <a:ext cx="7129347" cy="830997"/>
+          </a:xfrm>
+          <a:prstGeom prst="rect">
+            <a:avLst/>
+          </a:prstGeom>
+          <a:noFill/>
+        </p:spPr>
+        <p:txBody>
+          <a:bodyPr wrap="square" rtlCol="0">
+            <a:spAutoFit/>
+          </a:bodyPr>
+          <a:lstStyle/>
+          <a:p>
+            <a:pPr marL="171450" indent="-171450">
+              <a:buFont typeface="Wingdings" pitchFamily="2" charset="2"/>
+              <a:buChar char="ü"/>
+            </a:pPr>
+            <a:r>
+              <a:rPr lang="en-US" sz="1200" dirty="0">
+                <a:latin typeface="+mn-lt"/>
+              </a:rPr>
+              <a:t>Sprint Deadline: All Engineers will create PRs for their work which has passed a successful build in their branch &amp; the dev pipeline</a:t>
+            </a:r>
+          </a:p>
+          <a:p>
+            <a:pPr marL="171450" indent="-171450">
+              <a:buFont typeface="Wingdings" pitchFamily="2" charset="2"/>
+              <a:buChar char="ü"/>
+            </a:pPr>
+            <a:r>
+              <a:rPr lang="en-US" sz="1200" dirty="0">
+                <a:latin typeface="+mn-lt"/>
+              </a:rPr>
+              <a:t>The Leads will decide what gets included (merged)</a:t>
+            </a:r>
+          </a:p>
+          <a:p>
+            <a:pPr marL="171450" indent="-171450">
+              <a:buFont typeface="Wingdings" pitchFamily="2" charset="2"/>
+              <a:buChar char="ü"/>
+            </a:pPr>
+            <a:r>
+              <a:rPr lang="en-US" sz="1200" dirty="0">
+                <a:latin typeface="+mn-lt"/>
+              </a:rPr>
+              <a:t>After all work is merged, the Leads will build DEV branch</a:t>
+            </a:r>
+          </a:p>
+        </p:txBody>
+      </p:sp>
+      <p:sp>
+        <p:nvSpPr>
+          <p:cNvPr id="6" name="TextBox 5">
+            <a:extLst>
+              <a:ext uri="{FF2B5EF4-FFF2-40B4-BE49-F238E27FC236}">
+                <a16:creationId xmlns:a16="http://schemas.microsoft.com/office/drawing/2014/main" id="{927900CD-ACBF-44F0-6A1C-A29BA505CB46}"/>
+              </a:ext>
+            </a:extLst>
+          </p:cNvPr>
+          <p:cNvSpPr txBox="1"/>
+          <p:nvPr/>
+        </p:nvSpPr>
+        <p:spPr>
+          <a:xfrm>
+            <a:off x="1434789" y="2838217"/>
+            <a:ext cx="7017834" cy="830997"/>
+          </a:xfrm>
+          <a:prstGeom prst="rect">
+            <a:avLst/>
+          </a:prstGeom>
+          <a:noFill/>
+        </p:spPr>
+        <p:txBody>
+          <a:bodyPr wrap="square" rtlCol="0">
+            <a:spAutoFit/>
+          </a:bodyPr>
+          <a:lstStyle/>
+          <a:p>
+            <a:pPr marL="171450" indent="-171450">
+              <a:buFont typeface="Wingdings" pitchFamily="2" charset="2"/>
+              <a:buChar char="ü"/>
+            </a:pPr>
+            <a:r>
+              <a:rPr lang="en-US" sz="1200" dirty="0">
+                <a:latin typeface="+mn-lt"/>
+              </a:rPr>
+              <a:t>If the DEV pipeline builds Ok, it automatically “kicks” off the upstream application DEV Team’s pipelines. </a:t>
+            </a:r>
+            <a:r>
+              <a:rPr lang="en-US" sz="1200" dirty="0" err="1">
+                <a:latin typeface="+mn-lt"/>
+              </a:rPr>
+              <a:t>Ie</a:t>
+            </a:r>
+            <a:r>
+              <a:rPr lang="en-US" sz="1200" dirty="0">
+                <a:latin typeface="+mn-lt"/>
+              </a:rPr>
+              <a:t>) Shopping Cart Java Web App etc. These upstream pipelines will build from the other teams current release code. So you are verifying that all the upstream app code version that are currently work in prod, will work on your new DEV infrastructure code.</a:t>
+            </a:r>
+          </a:p>
+        </p:txBody>
+      </p:sp>
+      <p:sp>
+        <p:nvSpPr>
+          <p:cNvPr id="7" name="TextBox 6">
+            <a:extLst>
+              <a:ext uri="{FF2B5EF4-FFF2-40B4-BE49-F238E27FC236}">
+                <a16:creationId xmlns:a16="http://schemas.microsoft.com/office/drawing/2014/main" id="{607FC94D-1549-B487-0BAA-0D4C85FC5B92}"/>
+              </a:ext>
+            </a:extLst>
+          </p:cNvPr>
+          <p:cNvSpPr txBox="1"/>
+          <p:nvPr/>
+        </p:nvSpPr>
+        <p:spPr>
+          <a:xfrm>
+            <a:off x="1412485" y="3776546"/>
+            <a:ext cx="6638692" cy="461665"/>
+          </a:xfrm>
+          <a:prstGeom prst="rect">
+            <a:avLst/>
+          </a:prstGeom>
+          <a:noFill/>
+        </p:spPr>
+        <p:txBody>
+          <a:bodyPr wrap="square" rtlCol="0">
+            <a:spAutoFit/>
+          </a:bodyPr>
+          <a:lstStyle/>
+          <a:p>
+            <a:pPr marL="171450" indent="-171450">
+              <a:buFont typeface="Wingdings" pitchFamily="2" charset="2"/>
+              <a:buChar char="ü"/>
+            </a:pPr>
+            <a:r>
+              <a:rPr lang="en-US" sz="1200" dirty="0">
+                <a:latin typeface="+mn-lt"/>
+              </a:rPr>
+              <a:t>If all upstream Team’s pipelines build green on top of the infra DEV branch pipeline, the infra DEV gets promoted to QA. In QA extensive regression testing occurs. </a:t>
+            </a:r>
+          </a:p>
+        </p:txBody>
+      </p:sp>
+      <p:sp>
+        <p:nvSpPr>
+          <p:cNvPr id="8" name="TextBox 7">
+            <a:extLst>
+              <a:ext uri="{FF2B5EF4-FFF2-40B4-BE49-F238E27FC236}">
+                <a16:creationId xmlns:a16="http://schemas.microsoft.com/office/drawing/2014/main" id="{CE4CE11A-4718-6772-CF98-67E4258A3A63}"/>
+              </a:ext>
+            </a:extLst>
+          </p:cNvPr>
+          <p:cNvSpPr txBox="1"/>
+          <p:nvPr/>
+        </p:nvSpPr>
+        <p:spPr>
+          <a:xfrm>
+            <a:off x="1494263" y="4356410"/>
+            <a:ext cx="6556914" cy="461665"/>
+          </a:xfrm>
+          <a:prstGeom prst="rect">
+            <a:avLst/>
+          </a:prstGeom>
+          <a:noFill/>
+        </p:spPr>
+        <p:txBody>
+          <a:bodyPr wrap="square" rtlCol="0">
+            <a:spAutoFit/>
+          </a:bodyPr>
+          <a:lstStyle/>
+          <a:p>
+            <a:pPr marL="171450" indent="-171450">
+              <a:buFont typeface="Wingdings" pitchFamily="2" charset="2"/>
+              <a:buChar char="ü"/>
+            </a:pPr>
+            <a:r>
+              <a:rPr lang="en-US" sz="1200" dirty="0">
+                <a:latin typeface="+mn-lt"/>
+              </a:rPr>
+              <a:t>Once QA is green, the Lead(s) cut a Symantec release of what is now the new Prod version of the Infra Pipeline and it is blue-greened(where possible) into Prod</a:t>
+            </a:r>
+          </a:p>
+        </p:txBody>
+      </p:sp>
+    </p:spTree>
+    <p:extLst>
+      <p:ext uri="{BB962C8B-B14F-4D97-AF65-F5344CB8AC3E}">
+        <p14:creationId xmlns:p14="http://schemas.microsoft.com/office/powerpoint/2010/main" val="997597258"/>
+      </p:ext>
+    </p:extLst>
+  </p:cSld>
+  <p:clrMapOvr>
+    <a:masterClrMapping/>
+  </p:clrMapOvr>
+</p:sld>
+</file>
+
+<file path=ppt/slides/slide5.xml><?xml version="1.0" encoding="utf-8"?>
+<p:sld xmlns:a="http://schemas.openxmlformats.org/drawingml/2006/main" xmlns:r="http://schemas.openxmlformats.org/officeDocument/2006/relationships" xmlns:p="http://schemas.openxmlformats.org/presentationml/2006/main">
+  <p:cSld>
+    <p:spTree>
+      <p:nvGrpSpPr>
+        <p:cNvPr id="1" name=""/>
+        <p:cNvGrpSpPr/>
+        <p:nvPr/>
+      </p:nvGrpSpPr>
+      <p:grpSpPr>
+        <a:xfrm>
+          <a:off x="0" y="0"/>
+          <a:ext cx="0" cy="0"/>
+          <a:chOff x="0" y="0"/>
+          <a:chExt cx="0" cy="0"/>
+        </a:xfrm>
+      </p:grpSpPr>
+      <p:sp>
+        <p:nvSpPr>
+          <p:cNvPr id="2" name="Title 1">
+            <a:extLst>
+              <a:ext uri="{FF2B5EF4-FFF2-40B4-BE49-F238E27FC236}">
+                <a16:creationId xmlns:a16="http://schemas.microsoft.com/office/drawing/2014/main" id="{617D5F80-87AF-B5B5-EE22-27362C918349}"/>
+              </a:ext>
+            </a:extLst>
+          </p:cNvPr>
+          <p:cNvSpPr>
+            <a:spLocks noGrp="1"/>
+          </p:cNvSpPr>
+          <p:nvPr>
+            <p:ph type="ctrTitle"/>
+          </p:nvPr>
+        </p:nvSpPr>
+        <p:spPr>
+          <a:xfrm>
+            <a:off x="416425" y="512287"/>
+            <a:ext cx="7598042" cy="874062"/>
+          </a:xfrm>
+        </p:spPr>
+        <p:txBody>
+          <a:bodyPr/>
+          <a:lstStyle/>
+          <a:p>
+            <a:r>
+              <a:rPr lang="en-US" dirty="0"/>
+              <a:t>PROD OCI = DEV OCI</a:t>
+            </a:r>
+          </a:p>
+        </p:txBody>
+      </p:sp>
+      <p:sp>
+        <p:nvSpPr>
+          <p:cNvPr id="3" name="TextBox 2">
+            <a:extLst>
+              <a:ext uri="{FF2B5EF4-FFF2-40B4-BE49-F238E27FC236}">
+                <a16:creationId xmlns:a16="http://schemas.microsoft.com/office/drawing/2014/main" id="{501B1215-DFDE-9F0B-1DD6-9A2D6F394B6E}"/>
+              </a:ext>
+            </a:extLst>
+          </p:cNvPr>
+          <p:cNvSpPr txBox="1"/>
+          <p:nvPr/>
+        </p:nvSpPr>
+        <p:spPr>
+          <a:xfrm>
+            <a:off x="511277" y="1524000"/>
+            <a:ext cx="8023123" cy="646331"/>
+          </a:xfrm>
+          <a:prstGeom prst="rect">
+            <a:avLst/>
+          </a:prstGeom>
+          <a:noFill/>
+        </p:spPr>
+        <p:txBody>
+          <a:bodyPr wrap="square" rtlCol="0">
+            <a:spAutoFit/>
+          </a:bodyPr>
+          <a:lstStyle/>
+          <a:p>
+            <a:r>
+              <a:rPr lang="en-US" dirty="0">
+                <a:latin typeface="+mn-lt"/>
+              </a:rPr>
+              <a:t>PRODUCTION DOWN! Teams that perform local development are more likely at risk of having a successful test cycle in the lower environments and still break in prod</a:t>
+            </a:r>
+          </a:p>
+        </p:txBody>
+      </p:sp>
+      <p:sp>
+        <p:nvSpPr>
+          <p:cNvPr id="4" name="TextBox 3">
+            <a:extLst>
+              <a:ext uri="{FF2B5EF4-FFF2-40B4-BE49-F238E27FC236}">
+                <a16:creationId xmlns:a16="http://schemas.microsoft.com/office/drawing/2014/main" id="{EE454885-D872-A8CD-B1D3-449FC6BD3FB1}"/>
+              </a:ext>
+            </a:extLst>
+          </p:cNvPr>
+          <p:cNvSpPr txBox="1"/>
+          <p:nvPr/>
+        </p:nvSpPr>
+        <p:spPr>
+          <a:xfrm>
+            <a:off x="3714000" y="2307982"/>
+            <a:ext cx="1002891" cy="369332"/>
+          </a:xfrm>
+          <a:prstGeom prst="rect">
+            <a:avLst/>
+          </a:prstGeom>
+          <a:noFill/>
+        </p:spPr>
+        <p:txBody>
+          <a:bodyPr wrap="square" rtlCol="0">
+            <a:spAutoFit/>
+          </a:bodyPr>
+          <a:lstStyle/>
+          <a:p>
+            <a:r>
+              <a:rPr lang="en-US" dirty="0">
+                <a:latin typeface="+mn-lt"/>
+              </a:rPr>
+              <a:t>WHY?</a:t>
+            </a:r>
+          </a:p>
+        </p:txBody>
+      </p:sp>
+      <p:sp>
+        <p:nvSpPr>
+          <p:cNvPr id="5" name="TextBox 4">
+            <a:extLst>
+              <a:ext uri="{FF2B5EF4-FFF2-40B4-BE49-F238E27FC236}">
+                <a16:creationId xmlns:a16="http://schemas.microsoft.com/office/drawing/2014/main" id="{BFCFA535-D22D-E281-ED87-712AA688CB0A}"/>
+              </a:ext>
+            </a:extLst>
+          </p:cNvPr>
+          <p:cNvSpPr txBox="1"/>
+          <p:nvPr/>
+        </p:nvSpPr>
+        <p:spPr>
+          <a:xfrm>
+            <a:off x="511277" y="2900516"/>
+            <a:ext cx="8023123" cy="923330"/>
+          </a:xfrm>
+          <a:prstGeom prst="rect">
+            <a:avLst/>
+          </a:prstGeom>
+          <a:noFill/>
+        </p:spPr>
+        <p:txBody>
+          <a:bodyPr wrap="square" rtlCol="0">
+            <a:spAutoFit/>
+          </a:bodyPr>
+          <a:lstStyle/>
+          <a:p>
+            <a:r>
+              <a:rPr lang="en-US" dirty="0">
+                <a:latin typeface="+mn-lt"/>
+              </a:rPr>
+              <a:t>No two developer local machines are the same in respect to: libraries, modules, configuration, env vars, params, </a:t>
+            </a:r>
+            <a:r>
+              <a:rPr lang="en-US" dirty="0" err="1">
+                <a:latin typeface="+mn-lt"/>
+              </a:rPr>
+              <a:t>os</a:t>
+            </a:r>
+            <a:r>
+              <a:rPr lang="en-US" dirty="0">
+                <a:latin typeface="+mn-lt"/>
+              </a:rPr>
+              <a:t> versions etc. Thus building code locally and testing is not valid or reliable.</a:t>
+            </a:r>
+          </a:p>
+        </p:txBody>
+      </p:sp>
+      <p:sp>
+        <p:nvSpPr>
+          <p:cNvPr id="6" name="TextBox 5">
+            <a:extLst>
+              <a:ext uri="{FF2B5EF4-FFF2-40B4-BE49-F238E27FC236}">
+                <a16:creationId xmlns:a16="http://schemas.microsoft.com/office/drawing/2014/main" id="{B5EF3397-DB3E-7761-2934-4FD706BC1E56}"/>
+              </a:ext>
+            </a:extLst>
+          </p:cNvPr>
+          <p:cNvSpPr txBox="1"/>
+          <p:nvPr/>
+        </p:nvSpPr>
+        <p:spPr>
+          <a:xfrm>
+            <a:off x="511277" y="4021394"/>
+            <a:ext cx="8190271" cy="923330"/>
+          </a:xfrm>
+          <a:prstGeom prst="rect">
+            <a:avLst/>
+          </a:prstGeom>
+          <a:noFill/>
+        </p:spPr>
+        <p:txBody>
+          <a:bodyPr wrap="square" rtlCol="0">
+            <a:spAutoFit/>
+          </a:bodyPr>
+          <a:lstStyle/>
+          <a:p>
+            <a:r>
+              <a:rPr lang="en-US" dirty="0">
+                <a:latin typeface="+mn-lt"/>
+              </a:rPr>
+              <a:t>ALL CODE MUST BE BUILT ON THE SAME OCI IMAGES BY ALL DEVS THROUGHOUT THE ENTIRE DEV CYCLE!!!!!!! THIS IS THE ONLY WAY TO ENSURE 100% WHAT PASSES IN THE LOWER ENVS WILL PASS IN PROD!</a:t>
+            </a:r>
+          </a:p>
+        </p:txBody>
+      </p:sp>
+    </p:spTree>
+    <p:extLst>
+      <p:ext uri="{BB962C8B-B14F-4D97-AF65-F5344CB8AC3E}">
+        <p14:creationId xmlns:p14="http://schemas.microsoft.com/office/powerpoint/2010/main" val="2713437300"/>
+      </p:ext>
+    </p:extLst>
+  </p:cSld>
+  <p:clrMapOvr>
+    <a:masterClrMapping/>
+  </p:clrMapOvr>
+</p:sld>
+</file>
+
+<file path=ppt/slides/slide6.xml><?xml version="1.0" encoding="utf-8"?>
 <p:sld xmlns:a="http://schemas.openxmlformats.org/drawingml/2006/main" xmlns:r="http://schemas.openxmlformats.org/officeDocument/2006/relationships" xmlns:p="http://schemas.openxmlformats.org/presentationml/2006/main">
   <p:cSld>
     <p:spTree>
@@ -11889,7 +13357,7 @@
 </p:sld>
 </file>
 
-<file path=ppt/slides/slide4.xml><?xml version="1.0" encoding="utf-8"?>
+<file path=ppt/slides/slide7.xml><?xml version="1.0" encoding="utf-8"?>
 <p:sld xmlns:a="http://schemas.openxmlformats.org/drawingml/2006/main" xmlns:r="http://schemas.openxmlformats.org/officeDocument/2006/relationships" xmlns:p="http://schemas.openxmlformats.org/presentationml/2006/main">
   <p:cSld>
     <p:spTree>
@@ -17605,7 +19073,7 @@
 </p:sld>
 </file>
 
-<file path=ppt/slides/slide5.xml><?xml version="1.0" encoding="utf-8"?>
+<file path=ppt/slides/slide8.xml><?xml version="1.0" encoding="utf-8"?>
 <p:sld xmlns:a="http://schemas.openxmlformats.org/drawingml/2006/main" xmlns:r="http://schemas.openxmlformats.org/officeDocument/2006/relationships" xmlns:p="http://schemas.openxmlformats.org/presentationml/2006/main">
   <p:cSld>
     <p:spTree>
@@ -17743,7 +19211,7 @@
 </p:sld>
 </file>
 
-<file path=ppt/slides/slide6.xml><?xml version="1.0" encoding="utf-8"?>
+<file path=ppt/slides/slide9.xml><?xml version="1.0" encoding="utf-8"?>
 <p:sld xmlns:a="http://schemas.openxmlformats.org/drawingml/2006/main" xmlns:r="http://schemas.openxmlformats.org/officeDocument/2006/relationships" xmlns:p="http://schemas.openxmlformats.org/presentationml/2006/main">
   <p:cSld>
     <p:spTree>
@@ -17907,586 +19375,6 @@
     <p:extLst>
       <p:ext uri="{BB962C8B-B14F-4D97-AF65-F5344CB8AC3E}">
         <p14:creationId xmlns:p14="http://schemas.microsoft.com/office/powerpoint/2010/main" val="373646704"/>
-      </p:ext>
-    </p:extLst>
-  </p:cSld>
-  <p:clrMapOvr>
-    <a:masterClrMapping/>
-  </p:clrMapOvr>
-</p:sld>
-</file>
-
-<file path=ppt/slides/slide7.xml><?xml version="1.0" encoding="utf-8"?>
-<p:sld xmlns:a="http://schemas.openxmlformats.org/drawingml/2006/main" xmlns:r="http://schemas.openxmlformats.org/officeDocument/2006/relationships" xmlns:p="http://schemas.openxmlformats.org/presentationml/2006/main">
-  <p:cSld>
-    <p:spTree>
-      <p:nvGrpSpPr>
-        <p:cNvPr id="1" name=""/>
-        <p:cNvGrpSpPr/>
-        <p:nvPr/>
-      </p:nvGrpSpPr>
-      <p:grpSpPr>
-        <a:xfrm>
-          <a:off x="0" y="0"/>
-          <a:ext cx="0" cy="0"/>
-          <a:chOff x="0" y="0"/>
-          <a:chExt cx="0" cy="0"/>
-        </a:xfrm>
-      </p:grpSpPr>
-      <p:sp>
-        <p:nvSpPr>
-          <p:cNvPr id="2" name="Title 1">
-            <a:extLst>
-              <a:ext uri="{FF2B5EF4-FFF2-40B4-BE49-F238E27FC236}">
-                <a16:creationId xmlns:a16="http://schemas.microsoft.com/office/drawing/2014/main" id="{A11DE5CD-A651-2041-9C49-27DD5459B2F3}"/>
-              </a:ext>
-            </a:extLst>
-          </p:cNvPr>
-          <p:cNvSpPr>
-            <a:spLocks noGrp="1"/>
-          </p:cNvSpPr>
-          <p:nvPr>
-            <p:ph type="ctrTitle"/>
-          </p:nvPr>
-        </p:nvSpPr>
-        <p:spPr>
-          <a:xfrm>
-            <a:off x="421968" y="386957"/>
-            <a:ext cx="8300063" cy="652134"/>
-          </a:xfrm>
-        </p:spPr>
-        <p:txBody>
-          <a:bodyPr/>
-          <a:lstStyle/>
-          <a:p>
-            <a:r>
-              <a:rPr lang="en-US" sz="3000" dirty="0"/>
-              <a:t>Lab Environment</a:t>
-            </a:r>
-            <a:br>
-              <a:rPr lang="en-US" sz="3000" dirty="0"/>
-            </a:br>
-            <a:endParaRPr lang="en-US" sz="3000" dirty="0"/>
-          </a:p>
-        </p:txBody>
-      </p:sp>
-      <p:sp>
-        <p:nvSpPr>
-          <p:cNvPr id="4" name="TextBox 3">
-            <a:extLst>
-              <a:ext uri="{FF2B5EF4-FFF2-40B4-BE49-F238E27FC236}">
-                <a16:creationId xmlns:a16="http://schemas.microsoft.com/office/drawing/2014/main" id="{E04244EA-74ED-3D4A-B750-74F535C660F4}"/>
-              </a:ext>
-            </a:extLst>
-          </p:cNvPr>
-          <p:cNvSpPr txBox="1"/>
-          <p:nvPr/>
-        </p:nvSpPr>
-        <p:spPr>
-          <a:xfrm>
-            <a:off x="421967" y="3368603"/>
-            <a:ext cx="8189295" cy="523220"/>
-          </a:xfrm>
-          <a:prstGeom prst="rect">
-            <a:avLst/>
-          </a:prstGeom>
-          <a:noFill/>
-        </p:spPr>
-        <p:txBody>
-          <a:bodyPr wrap="square" rtlCol="0">
-            <a:spAutoFit/>
-          </a:bodyPr>
-          <a:lstStyle/>
-          <a:p>
-            <a:endParaRPr lang="en-US" sz="1400" dirty="0"/>
-          </a:p>
-          <a:p>
-            <a:endParaRPr lang="en-US" sz="1400" dirty="0">
-              <a:latin typeface="+mn-lt"/>
-            </a:endParaRPr>
-          </a:p>
-        </p:txBody>
-      </p:sp>
-      <p:sp>
-        <p:nvSpPr>
-          <p:cNvPr id="3" name="TextBox 2">
-            <a:extLst>
-              <a:ext uri="{FF2B5EF4-FFF2-40B4-BE49-F238E27FC236}">
-                <a16:creationId xmlns:a16="http://schemas.microsoft.com/office/drawing/2014/main" id="{0D127803-6EE4-A64B-8558-07A4D5ABD0AD}"/>
-              </a:ext>
-            </a:extLst>
-          </p:cNvPr>
-          <p:cNvSpPr txBox="1"/>
-          <p:nvPr/>
-        </p:nvSpPr>
-        <p:spPr>
-          <a:xfrm>
-            <a:off x="421967" y="551207"/>
-            <a:ext cx="7585544" cy="4893647"/>
-          </a:xfrm>
-          <a:prstGeom prst="rect">
-            <a:avLst/>
-          </a:prstGeom>
-          <a:noFill/>
-        </p:spPr>
-        <p:txBody>
-          <a:bodyPr wrap="square" rtlCol="0">
-            <a:spAutoFit/>
-          </a:bodyPr>
-          <a:lstStyle/>
-          <a:p>
-            <a:r>
-              <a:rPr lang="en-US" sz="1400" dirty="0">
-                <a:latin typeface="+mn-lt"/>
-              </a:rPr>
-              <a:t>Lab Phase 1: Theme: Cloud Disaster Recovery Escape Room.</a:t>
-            </a:r>
-          </a:p>
-          <a:p>
-            <a:endParaRPr lang="en-US" sz="1400" dirty="0">
-              <a:latin typeface="+mn-lt"/>
-            </a:endParaRPr>
-          </a:p>
-          <a:p>
-            <a:r>
-              <a:rPr lang="en-US" sz="1400" dirty="0">
-                <a:latin typeface="+mn-lt"/>
-              </a:rPr>
-              <a:t>Lab Overview: Today we are simulating being members of the same Netops/</a:t>
-            </a:r>
-            <a:r>
-              <a:rPr lang="en-US" sz="1400" dirty="0" err="1">
-                <a:latin typeface="+mn-lt"/>
-              </a:rPr>
-              <a:t>Devops</a:t>
-            </a:r>
-            <a:r>
-              <a:rPr lang="en-US" sz="1400" dirty="0">
-                <a:latin typeface="+mn-lt"/>
-              </a:rPr>
-              <a:t> Team in a Large Software Environment. When you come into work, you discover that Your AWS Regions for Production are experiencing an extended outage. Your IT Director instructs you to deploy your environment to other Regions immediately. He delegates each of you a Remote/Office/Site/ Branch to Re-Deploy.</a:t>
-            </a:r>
-          </a:p>
-          <a:p>
-            <a:endParaRPr lang="en-US" sz="1400" dirty="0">
-              <a:latin typeface="+mn-lt"/>
-            </a:endParaRPr>
-          </a:p>
-          <a:p>
-            <a:r>
-              <a:rPr lang="en-US" sz="1400" dirty="0">
-                <a:latin typeface="+mn-lt"/>
-              </a:rPr>
-              <a:t>You have only 20 minutes to get your Company backup and Running! The Company is losing $50,000 every minute of downtime. If you can get your company back up and running in less that 20 minutes you get a bonus. You say “no sweat, all our infra is managed as code..</a:t>
-            </a:r>
-          </a:p>
-          <a:p>
-            <a:r>
-              <a:rPr lang="en-US" sz="1400" dirty="0">
-                <a:latin typeface="+mn-lt"/>
-              </a:rPr>
-              <a:t>hold my beer……..”</a:t>
-            </a:r>
-          </a:p>
-          <a:p>
-            <a:endParaRPr lang="en-US" sz="1400" dirty="0">
-              <a:latin typeface="+mn-lt"/>
-            </a:endParaRPr>
-          </a:p>
-          <a:p>
-            <a:r>
-              <a:rPr lang="en-US" sz="1400" dirty="0">
-                <a:latin typeface="+mn-lt"/>
-              </a:rPr>
-              <a:t>After you restore the environment, you convince your Boss to Deploy </a:t>
-            </a:r>
-          </a:p>
-          <a:p>
-            <a:r>
-              <a:rPr lang="en-US" sz="1400" dirty="0">
-                <a:latin typeface="+mn-lt"/>
-              </a:rPr>
-              <a:t>Cisco Thousand Eyes to help mitigate a Disaster like this in the future.</a:t>
-            </a:r>
-          </a:p>
-          <a:p>
-            <a:endParaRPr lang="en-US" sz="1400" dirty="0">
-              <a:latin typeface="+mn-lt"/>
-            </a:endParaRPr>
-          </a:p>
-          <a:p>
-            <a:r>
-              <a:rPr lang="en-US" sz="1400" dirty="0">
-                <a:latin typeface="+mn-lt"/>
-              </a:rPr>
-              <a:t>Deploy Environment – Team Competition – Fastest Time 12 minutes!</a:t>
-            </a:r>
-          </a:p>
-          <a:p>
-            <a:endParaRPr lang="en-US" sz="1400" dirty="0">
-              <a:latin typeface="+mn-lt"/>
-            </a:endParaRPr>
-          </a:p>
-          <a:p>
-            <a:r>
-              <a:rPr lang="en-US" sz="1400" dirty="0">
-                <a:latin typeface="+mn-lt"/>
-              </a:rPr>
-              <a:t>Deploy Thousand Eyes Agents – 30 min</a:t>
-            </a:r>
-          </a:p>
-          <a:p>
-            <a:r>
-              <a:rPr lang="en-US" sz="1400" dirty="0">
-                <a:latin typeface="+mn-lt"/>
-              </a:rPr>
-              <a:t>Logon to TE Console – Console Overview 30 min</a:t>
-            </a:r>
-          </a:p>
-          <a:p>
-            <a:r>
-              <a:rPr lang="en-US" sz="1400" dirty="0">
-                <a:latin typeface="+mn-lt"/>
-              </a:rPr>
-              <a:t>Configure TE Tests – Console and API 30 min – 1 HR.</a:t>
-            </a:r>
-          </a:p>
-          <a:p>
-            <a:r>
-              <a:rPr lang="en-US" sz="1400" dirty="0">
-                <a:latin typeface="+mn-lt"/>
-              </a:rPr>
-              <a:t>The Winners Gets a Prize!!!!!!!!</a:t>
-            </a:r>
-          </a:p>
-          <a:p>
-            <a:endParaRPr lang="en-US" dirty="0">
-              <a:latin typeface="+mn-lt"/>
-            </a:endParaRPr>
-          </a:p>
-        </p:txBody>
-      </p:sp>
-      <p:pic>
-        <p:nvPicPr>
-          <p:cNvPr id="6" name="Picture 5">
-            <a:extLst>
-              <a:ext uri="{FF2B5EF4-FFF2-40B4-BE49-F238E27FC236}">
-                <a16:creationId xmlns:a16="http://schemas.microsoft.com/office/drawing/2014/main" id="{9C8EE7DD-2EB6-754D-AA8F-09DC471A0C3C}"/>
-              </a:ext>
-            </a:extLst>
-          </p:cNvPr>
-          <p:cNvPicPr>
-            <a:picLocks noChangeAspect="1"/>
-          </p:cNvPicPr>
-          <p:nvPr/>
-        </p:nvPicPr>
-        <p:blipFill>
-          <a:blip r:embed="rId2"/>
-          <a:stretch>
-            <a:fillRect/>
-          </a:stretch>
-        </p:blipFill>
-        <p:spPr>
-          <a:xfrm>
-            <a:off x="5827288" y="2930678"/>
-            <a:ext cx="2894743" cy="1922290"/>
-          </a:xfrm>
-          <a:prstGeom prst="rect">
-            <a:avLst/>
-          </a:prstGeom>
-        </p:spPr>
-      </p:pic>
-    </p:spTree>
-    <p:extLst>
-      <p:ext uri="{BB962C8B-B14F-4D97-AF65-F5344CB8AC3E}">
-        <p14:creationId xmlns:p14="http://schemas.microsoft.com/office/powerpoint/2010/main" val="641361372"/>
-      </p:ext>
-    </p:extLst>
-  </p:cSld>
-  <p:clrMapOvr>
-    <a:masterClrMapping/>
-  </p:clrMapOvr>
-</p:sld>
-</file>
-
-<file path=ppt/slides/slide8.xml><?xml version="1.0" encoding="utf-8"?>
-<p:sld xmlns:a="http://schemas.openxmlformats.org/drawingml/2006/main" xmlns:r="http://schemas.openxmlformats.org/officeDocument/2006/relationships" xmlns:p="http://schemas.openxmlformats.org/presentationml/2006/main">
-  <p:cSld>
-    <p:spTree>
-      <p:nvGrpSpPr>
-        <p:cNvPr id="1" name=""/>
-        <p:cNvGrpSpPr/>
-        <p:nvPr/>
-      </p:nvGrpSpPr>
-      <p:grpSpPr>
-        <a:xfrm>
-          <a:off x="0" y="0"/>
-          <a:ext cx="0" cy="0"/>
-          <a:chOff x="0" y="0"/>
-          <a:chExt cx="0" cy="0"/>
-        </a:xfrm>
-      </p:grpSpPr>
-      <p:sp>
-        <p:nvSpPr>
-          <p:cNvPr id="2" name="Title 1">
-            <a:extLst>
-              <a:ext uri="{FF2B5EF4-FFF2-40B4-BE49-F238E27FC236}">
-                <a16:creationId xmlns:a16="http://schemas.microsoft.com/office/drawing/2014/main" id="{4CE4730D-A1A9-C742-94C3-5A486F425197}"/>
-              </a:ext>
-            </a:extLst>
-          </p:cNvPr>
-          <p:cNvSpPr>
-            <a:spLocks noGrp="1"/>
-          </p:cNvSpPr>
-          <p:nvPr>
-            <p:ph type="ctrTitle"/>
-          </p:nvPr>
-        </p:nvSpPr>
-        <p:spPr>
-          <a:xfrm>
-            <a:off x="678818" y="573503"/>
-            <a:ext cx="7598042" cy="794121"/>
-          </a:xfrm>
-        </p:spPr>
-        <p:txBody>
-          <a:bodyPr/>
-          <a:lstStyle/>
-          <a:p>
-            <a:r>
-              <a:rPr lang="en-US" sz="1600" dirty="0"/>
-              <a:t>Warning! The Chaos Monkey May Strike Overnight at Anytime! Please ensure you Commit your code the end of day!</a:t>
-            </a:r>
-          </a:p>
-        </p:txBody>
-      </p:sp>
-      <p:pic>
-        <p:nvPicPr>
-          <p:cNvPr id="7" name="Picture 6">
-            <a:extLst>
-              <a:ext uri="{FF2B5EF4-FFF2-40B4-BE49-F238E27FC236}">
-                <a16:creationId xmlns:a16="http://schemas.microsoft.com/office/drawing/2014/main" id="{2F955241-13AF-EE40-96E4-2FA3163579F8}"/>
-              </a:ext>
-            </a:extLst>
-          </p:cNvPr>
-          <p:cNvPicPr>
-            <a:picLocks noChangeAspect="1"/>
-          </p:cNvPicPr>
-          <p:nvPr/>
-        </p:nvPicPr>
-        <p:blipFill>
-          <a:blip r:embed="rId2"/>
-          <a:stretch>
-            <a:fillRect/>
-          </a:stretch>
-        </p:blipFill>
-        <p:spPr>
-          <a:xfrm>
-            <a:off x="2769866" y="1431235"/>
-            <a:ext cx="3719676" cy="3426018"/>
-          </a:xfrm>
-          <a:prstGeom prst="rect">
-            <a:avLst/>
-          </a:prstGeom>
-        </p:spPr>
-      </p:pic>
-    </p:spTree>
-    <p:extLst>
-      <p:ext uri="{BB962C8B-B14F-4D97-AF65-F5344CB8AC3E}">
-        <p14:creationId xmlns:p14="http://schemas.microsoft.com/office/powerpoint/2010/main" val="3542388819"/>
-      </p:ext>
-    </p:extLst>
-  </p:cSld>
-  <p:clrMapOvr>
-    <a:masterClrMapping/>
-  </p:clrMapOvr>
-</p:sld>
-</file>
-
-<file path=ppt/slides/slide9.xml><?xml version="1.0" encoding="utf-8"?>
-<p:sld xmlns:a="http://schemas.openxmlformats.org/drawingml/2006/main" xmlns:r="http://schemas.openxmlformats.org/officeDocument/2006/relationships" xmlns:p="http://schemas.openxmlformats.org/presentationml/2006/main">
-  <p:cSld>
-    <p:spTree>
-      <p:nvGrpSpPr>
-        <p:cNvPr id="1" name=""/>
-        <p:cNvGrpSpPr/>
-        <p:nvPr/>
-      </p:nvGrpSpPr>
-      <p:grpSpPr>
-        <a:xfrm>
-          <a:off x="0" y="0"/>
-          <a:ext cx="0" cy="0"/>
-          <a:chOff x="0" y="0"/>
-          <a:chExt cx="0" cy="0"/>
-        </a:xfrm>
-      </p:grpSpPr>
-      <p:sp>
-        <p:nvSpPr>
-          <p:cNvPr id="2" name="Title 1">
-            <a:extLst>
-              <a:ext uri="{FF2B5EF4-FFF2-40B4-BE49-F238E27FC236}">
-                <a16:creationId xmlns:a16="http://schemas.microsoft.com/office/drawing/2014/main" id="{51E57940-3F1A-864D-9F46-D49FE377BAC4}"/>
-              </a:ext>
-            </a:extLst>
-          </p:cNvPr>
-          <p:cNvSpPr>
-            <a:spLocks noGrp="1"/>
-          </p:cNvSpPr>
-          <p:nvPr>
-            <p:ph type="ctrTitle"/>
-          </p:nvPr>
-        </p:nvSpPr>
-        <p:spPr>
-          <a:xfrm>
-            <a:off x="416424" y="310102"/>
-            <a:ext cx="8544695" cy="4333460"/>
-          </a:xfrm>
-        </p:spPr>
-        <p:txBody>
-          <a:bodyPr/>
-          <a:lstStyle/>
-          <a:p>
-            <a:r>
-              <a:rPr lang="en-US" sz="1600" dirty="0"/>
-              <a:t>Lab Instruction: Phase 1 Part 1 (20-30 min)</a:t>
-            </a:r>
-            <a:br>
-              <a:rPr lang="en-US" sz="1600" dirty="0"/>
-            </a:br>
-            <a:r>
-              <a:rPr lang="en-US" sz="1600" dirty="0"/>
-              <a:t>Clone Repo</a:t>
-            </a:r>
-            <a:br>
-              <a:rPr lang="en-US" sz="1600" dirty="0"/>
-            </a:br>
-            <a:r>
-              <a:rPr lang="en-US" sz="1600" dirty="0"/>
-              <a:t>Checkout Branch &amp; Fetch Updates</a:t>
-            </a:r>
-            <a:br>
-              <a:rPr lang="en-US" sz="1600" dirty="0"/>
-            </a:br>
-            <a:r>
-              <a:rPr lang="en-US" sz="1600" dirty="0"/>
-              <a:t>Verify your </a:t>
-            </a:r>
-            <a:r>
-              <a:rPr lang="en-US" sz="1600" dirty="0" err="1"/>
-              <a:t>lab_vars.py</a:t>
-            </a:r>
-            <a:r>
-              <a:rPr lang="en-US" sz="1600" dirty="0"/>
-              <a:t> file, update your lab-</a:t>
-            </a:r>
-            <a:r>
-              <a:rPr lang="en-US" sz="1600" dirty="0" err="1"/>
-              <a:t>note.txt</a:t>
-            </a:r>
-            <a:br>
-              <a:rPr lang="en-US" sz="1600" dirty="0"/>
-            </a:br>
-            <a:r>
-              <a:rPr lang="en-US" sz="1600" dirty="0"/>
-              <a:t>Git Add, Git Commit, Git Push</a:t>
-            </a:r>
-            <a:br>
-              <a:rPr lang="en-US" sz="1600" dirty="0"/>
-            </a:br>
-            <a:r>
-              <a:rPr lang="en-US" sz="1600" dirty="0"/>
-              <a:t>Logon to Pipeline</a:t>
-            </a:r>
-            <a:br>
-              <a:rPr lang="en-US" sz="1600" dirty="0"/>
-            </a:br>
-            <a:r>
-              <a:rPr lang="en-US" sz="1600" dirty="0"/>
-              <a:t>Deploy Pipeline – Capture your SSH Key</a:t>
-            </a:r>
-            <a:br>
-              <a:rPr lang="en-US" sz="1600" dirty="0"/>
-            </a:br>
-            <a:r>
-              <a:rPr lang="en-US" sz="1600" dirty="0"/>
-              <a:t>SSH To Test Linux, CSR</a:t>
-            </a:r>
-            <a:br>
-              <a:rPr lang="en-US" sz="1600" dirty="0"/>
-            </a:br>
-            <a:r>
-              <a:rPr lang="en-US" sz="1600" dirty="0"/>
-              <a:t>Wait for Instructor Before Configuring CSR</a:t>
-            </a:r>
-            <a:br>
-              <a:rPr lang="en-US" sz="1600" dirty="0"/>
-            </a:br>
-            <a:br>
-              <a:rPr lang="en-US" sz="1600" dirty="0"/>
-            </a:br>
-            <a:r>
-              <a:rPr lang="en-US" sz="1600" dirty="0"/>
-              <a:t>Lab Instruction Phase 1 Part 2 (10-20 min)</a:t>
-            </a:r>
-            <a:br>
-              <a:rPr lang="en-US" sz="1600" dirty="0"/>
-            </a:br>
-            <a:r>
-              <a:rPr lang="en-US" sz="1600" dirty="0"/>
-              <a:t>CSR – check 2</a:t>
-            </a:r>
-            <a:r>
-              <a:rPr lang="en-US" sz="1600" baseline="30000" dirty="0"/>
-              <a:t>nd</a:t>
-            </a:r>
-            <a:r>
-              <a:rPr lang="en-US" sz="1600" dirty="0"/>
-              <a:t> NIC </a:t>
-            </a:r>
-            <a:br>
-              <a:rPr lang="en-US" sz="1600" dirty="0"/>
-            </a:br>
-            <a:r>
-              <a:rPr lang="en-US" sz="1600" dirty="0"/>
-              <a:t>Run the Configure CSR Task to Configure your CSR</a:t>
-            </a:r>
-            <a:br>
-              <a:rPr lang="en-US" sz="1600" dirty="0"/>
-            </a:br>
-            <a:r>
-              <a:rPr lang="en-US" sz="1600" dirty="0"/>
-              <a:t>Verify that traffic from Linux User01 is being routed outside CSR</a:t>
-            </a:r>
-            <a:br>
-              <a:rPr lang="en-US" sz="1600" dirty="0"/>
-            </a:br>
-            <a:r>
-              <a:rPr lang="en-US" sz="1600" dirty="0"/>
-              <a:t>Deploy Thousand Eyes Agent on Linux VMs</a:t>
-            </a:r>
-            <a:br>
-              <a:rPr lang="en-US" sz="1600" dirty="0"/>
-            </a:br>
-            <a:r>
-              <a:rPr lang="en-US" sz="1600" dirty="0"/>
-              <a:t>Logon to Thousand Eyes Console</a:t>
-            </a:r>
-            <a:br>
-              <a:rPr lang="en-US" sz="1600" dirty="0"/>
-            </a:br>
-            <a:br>
-              <a:rPr lang="en-US" sz="1600" dirty="0"/>
-            </a:br>
-            <a:r>
-              <a:rPr lang="en-US" sz="1600" dirty="0"/>
-              <a:t>Students Commit Code to Branch for Overnight Marking. Code Passing Tests will be added to Student Pipeline. At End of Training Lab on Final Day, Students will be challenged to rebuild their lab 100% from their Code Branch.</a:t>
-            </a:r>
-          </a:p>
-        </p:txBody>
-      </p:sp>
-    </p:spTree>
-    <p:extLst>
-      <p:ext uri="{BB962C8B-B14F-4D97-AF65-F5344CB8AC3E}">
-        <p14:creationId xmlns:p14="http://schemas.microsoft.com/office/powerpoint/2010/main" val="1867570614"/>
       </p:ext>
     </p:extLst>
   </p:cSld>
